--- a/UML/ERD.pptx
+++ b/UML/ERD.pptx
@@ -251,6 +251,11 @@
       </a:defRPr>
     </a:lvl9pPr>
   </p:defaultTextStyle>
+  <p:extLst>
+    <p:ext uri="{EFAFB233-063F-42B5-8137-9DF3F51BA10A}">
+      <p15:sldGuideLst xmlns:p15="http://schemas.microsoft.com/office/powerpoint/2012/main"/>
+    </p:ext>
+  </p:extLst>
 </p:presentation>
 </file>
 
@@ -18487,10 +18492,10 @@
                         <a:buNone/>
                       </a:pPr>
                       <a:r>
-                        <a:rPr lang="ko-KR" sz="1000" b="0" u="none" strike="noStrike" cap="none"/>
+                        <a:rPr lang="ko-KR" sz="1000" b="0" u="none" strike="noStrike" cap="none" dirty="0"/>
                         <a:t>#예약코드(PK)</a:t>
                       </a:r>
-                      <a:endParaRPr/>
+                      <a:endParaRPr dirty="0"/>
                     </a:p>
                   </a:txBody>
                   <a:tcPr marL="91450" marR="91450" marT="45725" marB="45725"/>
@@ -18641,10 +18646,10 @@
                         <a:buNone/>
                       </a:pPr>
                       <a:r>
-                        <a:rPr lang="ko-KR" sz="1000" b="0" u="none" strike="noStrike" cap="none"/>
+                        <a:rPr lang="ko-KR" sz="1000" b="0" u="none" strike="noStrike" cap="none" dirty="0"/>
                         <a:t>아이디(FK)</a:t>
                       </a:r>
-                      <a:endParaRPr/>
+                      <a:endParaRPr dirty="0"/>
                     </a:p>
                     <a:p>
                       <a:pPr marL="0" marR="0" lvl="0" indent="0" algn="l" rtl="0">
@@ -18665,10 +18670,10 @@
                         <a:buNone/>
                       </a:pPr>
                       <a:r>
-                        <a:rPr lang="ko-KR" sz="1000" b="0" u="none" strike="noStrike" cap="none"/>
+                        <a:rPr lang="ko-KR" sz="1000" b="0" u="none" strike="noStrike" cap="none" dirty="0"/>
                         <a:t>항공편(FK)</a:t>
                       </a:r>
-                      <a:endParaRPr/>
+                      <a:endParaRPr dirty="0"/>
                     </a:p>
                   </a:txBody>
                   <a:tcPr marL="91450" marR="91450" marT="45725" marB="45725"/>
@@ -20091,599 +20096,6 @@
           </a:graphicData>
         </a:graphic>
       </p:graphicFrame>
-      <p:pic>
-        <p:nvPicPr>
-          <p:cNvPr id="141" name="Google Shape;141;p14"/>
-          <p:cNvPicPr preferRelativeResize="0"/>
-          <p:nvPr/>
-        </p:nvPicPr>
-        <p:blipFill rotWithShape="1">
-          <a:blip r:embed="rId3">
-            <a:alphaModFix/>
-          </a:blip>
-          <a:srcRect/>
-          <a:stretch/>
-        </p:blipFill>
-        <p:spPr>
-          <a:xfrm rot="-5400000">
-            <a:off x="5387515" y="3390165"/>
-            <a:ext cx="816935" cy="207282"/>
-          </a:xfrm>
-          <a:prstGeom prst="rect">
-            <a:avLst/>
-          </a:prstGeom>
-          <a:noFill/>
-          <a:ln>
-            <a:noFill/>
-          </a:ln>
-        </p:spPr>
-      </p:pic>
-      <p:sp>
-        <p:nvSpPr>
-          <p:cNvPr id="142" name="Google Shape;142;p14"/>
-          <p:cNvSpPr txBox="1"/>
-          <p:nvPr/>
-        </p:nvSpPr>
-        <p:spPr>
-          <a:xfrm>
-            <a:off x="9359943" y="929974"/>
-            <a:ext cx="3767033" cy="5632311"/>
-          </a:xfrm>
-          <a:prstGeom prst="rect">
-            <a:avLst/>
-          </a:prstGeom>
-          <a:noFill/>
-          <a:ln>
-            <a:noFill/>
-          </a:ln>
-        </p:spPr>
-        <p:txBody>
-          <a:bodyPr spcFirstLastPara="1" wrap="square" lIns="91425" tIns="45700" rIns="91425" bIns="45700" anchor="t" anchorCtr="0">
-            <a:noAutofit/>
-          </a:bodyPr>
-          <a:lstStyle/>
-          <a:p>
-            <a:pPr marL="0" marR="0" lvl="0" indent="0" algn="l" rtl="0">
-              <a:spcBef>
-                <a:spcPts val="0"/>
-              </a:spcBef>
-              <a:spcAft>
-                <a:spcPts val="0"/>
-              </a:spcAft>
-              <a:buNone/>
-            </a:pPr>
-            <a:r>
-              <a:rPr lang="ko-KR" sz="1800" b="0" i="0" u="none" strike="noStrike" cap="none">
-                <a:solidFill>
-                  <a:schemeClr val="dk1"/>
-                </a:solidFill>
-                <a:latin typeface="Malgun Gothic"/>
-                <a:ea typeface="Malgun Gothic"/>
-                <a:cs typeface="Malgun Gothic"/>
-                <a:sym typeface="Malgun Gothic"/>
-              </a:rPr>
-              <a:t>Select</a:t>
-            </a:r>
-            <a:endParaRPr sz="1800">
-              <a:solidFill>
-                <a:schemeClr val="dk1"/>
-              </a:solidFill>
-              <a:latin typeface="Malgun Gothic"/>
-              <a:ea typeface="Malgun Gothic"/>
-              <a:cs typeface="Malgun Gothic"/>
-              <a:sym typeface="Malgun Gothic"/>
-            </a:endParaRPr>
-          </a:p>
-          <a:p>
-            <a:pPr marL="0" marR="0" lvl="0" indent="0" algn="l" rtl="0">
-              <a:spcBef>
-                <a:spcPts val="0"/>
-              </a:spcBef>
-              <a:spcAft>
-                <a:spcPts val="0"/>
-              </a:spcAft>
-              <a:buNone/>
-            </a:pPr>
-            <a:r>
-              <a:rPr lang="ko-KR" sz="1800">
-                <a:solidFill>
-                  <a:schemeClr val="dk1"/>
-                </a:solidFill>
-                <a:latin typeface="Malgun Gothic"/>
-                <a:ea typeface="Malgun Gothic"/>
-                <a:cs typeface="Malgun Gothic"/>
-                <a:sym typeface="Malgun Gothic"/>
-              </a:rPr>
-              <a:t>b.항공사 as 항공사,  </a:t>
-            </a:r>
-            <a:endParaRPr/>
-          </a:p>
-          <a:p>
-            <a:pPr marL="0" marR="0" lvl="0" indent="0" algn="l" rtl="0">
-              <a:spcBef>
-                <a:spcPts val="0"/>
-              </a:spcBef>
-              <a:spcAft>
-                <a:spcPts val="0"/>
-              </a:spcAft>
-              <a:buNone/>
-            </a:pPr>
-            <a:r>
-              <a:rPr lang="ko-KR" sz="1800">
-                <a:solidFill>
-                  <a:schemeClr val="dk1"/>
-                </a:solidFill>
-                <a:latin typeface="Malgun Gothic"/>
-                <a:ea typeface="Malgun Gothic"/>
-                <a:cs typeface="Malgun Gothic"/>
-                <a:sym typeface="Malgun Gothic"/>
-              </a:rPr>
-              <a:t>c.좌석등급 as 좌석등급,  </a:t>
-            </a:r>
-            <a:endParaRPr sz="1800">
-              <a:solidFill>
-                <a:schemeClr val="dk1"/>
-              </a:solidFill>
-              <a:latin typeface="Malgun Gothic"/>
-              <a:ea typeface="Malgun Gothic"/>
-              <a:cs typeface="Malgun Gothic"/>
-              <a:sym typeface="Malgun Gothic"/>
-            </a:endParaRPr>
-          </a:p>
-          <a:p>
-            <a:pPr marL="0" marR="0" lvl="0" indent="0" algn="l" rtl="0">
-              <a:spcBef>
-                <a:spcPts val="0"/>
-              </a:spcBef>
-              <a:spcAft>
-                <a:spcPts val="0"/>
-              </a:spcAft>
-              <a:buNone/>
-            </a:pPr>
-            <a:r>
-              <a:rPr lang="ko-KR" sz="1800">
-                <a:solidFill>
-                  <a:schemeClr val="dk1"/>
-                </a:solidFill>
-                <a:latin typeface="Malgun Gothic"/>
-                <a:ea typeface="Malgun Gothic"/>
-                <a:cs typeface="Malgun Gothic"/>
-                <a:sym typeface="Malgun Gothic"/>
-              </a:rPr>
-              <a:t>c.가격 as 가격 ,  </a:t>
-            </a:r>
-            <a:endParaRPr/>
-          </a:p>
-          <a:p>
-            <a:pPr marL="0" marR="0" lvl="0" indent="0" algn="l" rtl="0">
-              <a:spcBef>
-                <a:spcPts val="0"/>
-              </a:spcBef>
-              <a:spcAft>
-                <a:spcPts val="0"/>
-              </a:spcAft>
-              <a:buNone/>
-            </a:pPr>
-            <a:r>
-              <a:rPr lang="ko-KR" sz="1800">
-                <a:solidFill>
-                  <a:schemeClr val="dk1"/>
-                </a:solidFill>
-                <a:latin typeface="Malgun Gothic"/>
-                <a:ea typeface="Malgun Gothic"/>
-                <a:cs typeface="Malgun Gothic"/>
-                <a:sym typeface="Malgun Gothic"/>
-              </a:rPr>
-              <a:t>b.출발시간 as 출발시간,  </a:t>
-            </a:r>
-            <a:endParaRPr sz="1800">
-              <a:solidFill>
-                <a:schemeClr val="dk1"/>
-              </a:solidFill>
-              <a:latin typeface="Malgun Gothic"/>
-              <a:ea typeface="Malgun Gothic"/>
-              <a:cs typeface="Malgun Gothic"/>
-              <a:sym typeface="Malgun Gothic"/>
-            </a:endParaRPr>
-          </a:p>
-          <a:p>
-            <a:pPr marL="0" marR="0" lvl="0" indent="0" algn="l" rtl="0">
-              <a:spcBef>
-                <a:spcPts val="0"/>
-              </a:spcBef>
-              <a:spcAft>
-                <a:spcPts val="0"/>
-              </a:spcAft>
-              <a:buNone/>
-            </a:pPr>
-            <a:r>
-              <a:rPr lang="ko-KR" sz="1800">
-                <a:solidFill>
-                  <a:schemeClr val="dk1"/>
-                </a:solidFill>
-                <a:latin typeface="Malgun Gothic"/>
-                <a:ea typeface="Malgun Gothic"/>
-                <a:cs typeface="Malgun Gothic"/>
-                <a:sym typeface="Malgun Gothic"/>
-              </a:rPr>
-              <a:t>b.도착시간 as 도착시간,</a:t>
-            </a:r>
-            <a:endParaRPr/>
-          </a:p>
-          <a:p>
-            <a:pPr marL="0" marR="0" lvl="0" indent="0" algn="l" rtl="0">
-              <a:spcBef>
-                <a:spcPts val="0"/>
-              </a:spcBef>
-              <a:spcAft>
-                <a:spcPts val="0"/>
-              </a:spcAft>
-              <a:buNone/>
-            </a:pPr>
-            <a:r>
-              <a:rPr lang="ko-KR" sz="1800">
-                <a:solidFill>
-                  <a:schemeClr val="dk1"/>
-                </a:solidFill>
-                <a:latin typeface="Malgun Gothic"/>
-                <a:ea typeface="Malgun Gothic"/>
-                <a:cs typeface="Malgun Gothic"/>
-                <a:sym typeface="Malgun Gothic"/>
-              </a:rPr>
-              <a:t>(select count(좌석번호) </a:t>
-            </a:r>
-            <a:endParaRPr/>
-          </a:p>
-          <a:p>
-            <a:pPr marL="0" marR="0" lvl="0" indent="0" algn="l" rtl="0">
-              <a:spcBef>
-                <a:spcPts val="0"/>
-              </a:spcBef>
-              <a:spcAft>
-                <a:spcPts val="0"/>
-              </a:spcAft>
-              <a:buNone/>
-            </a:pPr>
-            <a:r>
-              <a:rPr lang="ko-KR" sz="1800">
-                <a:solidFill>
-                  <a:schemeClr val="dk1"/>
-                </a:solidFill>
-                <a:latin typeface="Malgun Gothic"/>
-                <a:ea typeface="Malgun Gothic"/>
-                <a:cs typeface="Malgun Gothic"/>
-                <a:sym typeface="Malgun Gothic"/>
-              </a:rPr>
-              <a:t>from 항공편 d, 좌석 e</a:t>
-            </a:r>
-            <a:endParaRPr sz="1800">
-              <a:solidFill>
-                <a:schemeClr val="dk1"/>
-              </a:solidFill>
-              <a:latin typeface="Malgun Gothic"/>
-              <a:ea typeface="Malgun Gothic"/>
-              <a:cs typeface="Malgun Gothic"/>
-              <a:sym typeface="Malgun Gothic"/>
-            </a:endParaRPr>
-          </a:p>
-          <a:p>
-            <a:pPr marL="0" marR="0" lvl="0" indent="0" algn="l" rtl="0">
-              <a:spcBef>
-                <a:spcPts val="0"/>
-              </a:spcBef>
-              <a:spcAft>
-                <a:spcPts val="0"/>
-              </a:spcAft>
-              <a:buNone/>
-            </a:pPr>
-            <a:r>
-              <a:rPr lang="ko-KR" sz="1800">
-                <a:solidFill>
-                  <a:schemeClr val="dk1"/>
-                </a:solidFill>
-                <a:latin typeface="Malgun Gothic"/>
-                <a:ea typeface="Malgun Gothic"/>
-                <a:cs typeface="Malgun Gothic"/>
-                <a:sym typeface="Malgun Gothic"/>
-              </a:rPr>
-              <a:t>Where d.항공편 = e.항공편</a:t>
-            </a:r>
-            <a:endParaRPr sz="1800">
-              <a:solidFill>
-                <a:schemeClr val="dk1"/>
-              </a:solidFill>
-              <a:latin typeface="Malgun Gothic"/>
-              <a:ea typeface="Malgun Gothic"/>
-              <a:cs typeface="Malgun Gothic"/>
-              <a:sym typeface="Malgun Gothic"/>
-            </a:endParaRPr>
-          </a:p>
-          <a:p>
-            <a:pPr marL="0" marR="0" lvl="0" indent="0" algn="l" rtl="0">
-              <a:spcBef>
-                <a:spcPts val="0"/>
-              </a:spcBef>
-              <a:spcAft>
-                <a:spcPts val="0"/>
-              </a:spcAft>
-              <a:buNone/>
-            </a:pPr>
-            <a:r>
-              <a:rPr lang="ko-KR" sz="1800">
-                <a:solidFill>
-                  <a:schemeClr val="dk1"/>
-                </a:solidFill>
-                <a:latin typeface="Malgun Gothic"/>
-                <a:ea typeface="Malgun Gothic"/>
-                <a:cs typeface="Malgun Gothic"/>
-                <a:sym typeface="Malgun Gothic"/>
-              </a:rPr>
-              <a:t>And e.좌석등급=‘좌석등급’</a:t>
-            </a:r>
-            <a:endParaRPr/>
-          </a:p>
-          <a:p>
-            <a:pPr marL="0" marR="0" lvl="0" indent="0" algn="l" rtl="0">
-              <a:spcBef>
-                <a:spcPts val="0"/>
-              </a:spcBef>
-              <a:spcAft>
-                <a:spcPts val="0"/>
-              </a:spcAft>
-              <a:buNone/>
-            </a:pPr>
-            <a:r>
-              <a:rPr lang="ko-KR" sz="1800">
-                <a:solidFill>
-                  <a:schemeClr val="dk1"/>
-                </a:solidFill>
-                <a:latin typeface="Malgun Gothic"/>
-                <a:ea typeface="Malgun Gothic"/>
-                <a:cs typeface="Malgun Gothic"/>
-                <a:sym typeface="Malgun Gothic"/>
-              </a:rPr>
-              <a:t>And e.예약여부=‘n’</a:t>
-            </a:r>
-            <a:endParaRPr/>
-          </a:p>
-          <a:p>
-            <a:pPr marL="0" marR="0" lvl="0" indent="0" algn="l" rtl="0">
-              <a:spcBef>
-                <a:spcPts val="0"/>
-              </a:spcBef>
-              <a:spcAft>
-                <a:spcPts val="0"/>
-              </a:spcAft>
-              <a:buNone/>
-            </a:pPr>
-            <a:r>
-              <a:rPr lang="ko-KR" sz="1800">
-                <a:solidFill>
-                  <a:schemeClr val="dk1"/>
-                </a:solidFill>
-                <a:latin typeface="Malgun Gothic"/>
-                <a:ea typeface="Malgun Gothic"/>
-                <a:cs typeface="Malgun Gothic"/>
-                <a:sym typeface="Malgun Gothic"/>
-              </a:rPr>
-              <a:t>  ) as 좌석수  </a:t>
-            </a:r>
-            <a:endParaRPr sz="1800">
-              <a:solidFill>
-                <a:schemeClr val="dk1"/>
-              </a:solidFill>
-              <a:latin typeface="Malgun Gothic"/>
-              <a:ea typeface="Malgun Gothic"/>
-              <a:cs typeface="Malgun Gothic"/>
-              <a:sym typeface="Malgun Gothic"/>
-            </a:endParaRPr>
-          </a:p>
-          <a:p>
-            <a:pPr marL="0" marR="0" lvl="0" indent="0" algn="l" rtl="0">
-              <a:spcBef>
-                <a:spcPts val="0"/>
-              </a:spcBef>
-              <a:spcAft>
-                <a:spcPts val="0"/>
-              </a:spcAft>
-              <a:buNone/>
-            </a:pPr>
-            <a:endParaRPr sz="1800">
-              <a:solidFill>
-                <a:schemeClr val="dk1"/>
-              </a:solidFill>
-              <a:latin typeface="Malgun Gothic"/>
-              <a:ea typeface="Malgun Gothic"/>
-              <a:cs typeface="Malgun Gothic"/>
-              <a:sym typeface="Malgun Gothic"/>
-            </a:endParaRPr>
-          </a:p>
-          <a:p>
-            <a:pPr marL="0" marR="0" lvl="0" indent="0" algn="l" rtl="0">
-              <a:spcBef>
-                <a:spcPts val="0"/>
-              </a:spcBef>
-              <a:spcAft>
-                <a:spcPts val="0"/>
-              </a:spcAft>
-              <a:buNone/>
-            </a:pPr>
-            <a:r>
-              <a:rPr lang="ko-KR" sz="1800">
-                <a:solidFill>
-                  <a:schemeClr val="dk1"/>
-                </a:solidFill>
-                <a:latin typeface="Malgun Gothic"/>
-                <a:ea typeface="Malgun Gothic"/>
-                <a:cs typeface="Malgun Gothic"/>
-                <a:sym typeface="Malgun Gothic"/>
-              </a:rPr>
-              <a:t>from 항공편 b, 좌석 c</a:t>
-            </a:r>
-            <a:endParaRPr/>
-          </a:p>
-          <a:p>
-            <a:pPr marL="0" marR="0" lvl="0" indent="0" algn="l" rtl="0">
-              <a:spcBef>
-                <a:spcPts val="0"/>
-              </a:spcBef>
-              <a:spcAft>
-                <a:spcPts val="0"/>
-              </a:spcAft>
-              <a:buNone/>
-            </a:pPr>
-            <a:r>
-              <a:rPr lang="ko-KR" sz="1800">
-                <a:solidFill>
-                  <a:schemeClr val="dk1"/>
-                </a:solidFill>
-                <a:latin typeface="Malgun Gothic"/>
-                <a:ea typeface="Malgun Gothic"/>
-                <a:cs typeface="Malgun Gothic"/>
-                <a:sym typeface="Malgun Gothic"/>
-              </a:rPr>
-              <a:t>Where b.항공편 = c.항공편</a:t>
-            </a:r>
-            <a:endParaRPr sz="1800">
-              <a:solidFill>
-                <a:schemeClr val="dk1"/>
-              </a:solidFill>
-              <a:latin typeface="Malgun Gothic"/>
-              <a:ea typeface="Malgun Gothic"/>
-              <a:cs typeface="Malgun Gothic"/>
-              <a:sym typeface="Malgun Gothic"/>
-            </a:endParaRPr>
-          </a:p>
-          <a:p>
-            <a:pPr marL="0" marR="0" lvl="0" indent="0" algn="l" rtl="0">
-              <a:spcBef>
-                <a:spcPts val="0"/>
-              </a:spcBef>
-              <a:spcAft>
-                <a:spcPts val="0"/>
-              </a:spcAft>
-              <a:buNone/>
-            </a:pPr>
-            <a:r>
-              <a:rPr lang="ko-KR" sz="1800">
-                <a:solidFill>
-                  <a:schemeClr val="dk1"/>
-                </a:solidFill>
-                <a:latin typeface="Malgun Gothic"/>
-                <a:ea typeface="Malgun Gothic"/>
-                <a:cs typeface="Malgun Gothic"/>
-                <a:sym typeface="Malgun Gothic"/>
-              </a:rPr>
-              <a:t>And b.출발날짜=‘출발날짜’</a:t>
-            </a:r>
-            <a:endParaRPr/>
-          </a:p>
-          <a:p>
-            <a:pPr marL="0" marR="0" lvl="0" indent="0" algn="l" rtl="0">
-              <a:spcBef>
-                <a:spcPts val="0"/>
-              </a:spcBef>
-              <a:spcAft>
-                <a:spcPts val="0"/>
-              </a:spcAft>
-              <a:buNone/>
-            </a:pPr>
-            <a:r>
-              <a:rPr lang="ko-KR" sz="1800">
-                <a:solidFill>
-                  <a:schemeClr val="dk1"/>
-                </a:solidFill>
-                <a:latin typeface="Malgun Gothic"/>
-                <a:ea typeface="Malgun Gothic"/>
-                <a:cs typeface="Malgun Gothic"/>
-                <a:sym typeface="Malgun Gothic"/>
-              </a:rPr>
-              <a:t>And b.출발도시=‘출발도시’</a:t>
-            </a:r>
-            <a:endParaRPr/>
-          </a:p>
-          <a:p>
-            <a:pPr marL="0" marR="0" lvl="0" indent="0" algn="l" rtl="0">
-              <a:spcBef>
-                <a:spcPts val="0"/>
-              </a:spcBef>
-              <a:spcAft>
-                <a:spcPts val="0"/>
-              </a:spcAft>
-              <a:buNone/>
-            </a:pPr>
-            <a:r>
-              <a:rPr lang="ko-KR" sz="1800">
-                <a:solidFill>
-                  <a:schemeClr val="dk1"/>
-                </a:solidFill>
-                <a:latin typeface="Malgun Gothic"/>
-                <a:ea typeface="Malgun Gothic"/>
-                <a:cs typeface="Malgun Gothic"/>
-                <a:sym typeface="Malgun Gothic"/>
-              </a:rPr>
-              <a:t>And b.도착도시=‘도착도시’</a:t>
-            </a:r>
-            <a:endParaRPr/>
-          </a:p>
-          <a:p>
-            <a:pPr marL="0" marR="0" lvl="0" indent="0" algn="l" rtl="0">
-              <a:spcBef>
-                <a:spcPts val="0"/>
-              </a:spcBef>
-              <a:spcAft>
-                <a:spcPts val="0"/>
-              </a:spcAft>
-              <a:buNone/>
-            </a:pPr>
-            <a:r>
-              <a:rPr lang="ko-KR" sz="1800">
-                <a:solidFill>
-                  <a:schemeClr val="dk1"/>
-                </a:solidFill>
-                <a:latin typeface="Malgun Gothic"/>
-                <a:ea typeface="Malgun Gothic"/>
-                <a:cs typeface="Malgun Gothic"/>
-                <a:sym typeface="Malgun Gothic"/>
-              </a:rPr>
-              <a:t>And c.좌석등급=‘좌석등급’</a:t>
-            </a:r>
-            <a:endParaRPr/>
-          </a:p>
-          <a:p>
-            <a:pPr marL="0" marR="0" lvl="0" indent="0" algn="l" rtl="0">
-              <a:spcBef>
-                <a:spcPts val="0"/>
-              </a:spcBef>
-              <a:spcAft>
-                <a:spcPts val="0"/>
-              </a:spcAft>
-              <a:buNone/>
-            </a:pPr>
-            <a:r>
-              <a:rPr lang="ko-KR" sz="1800">
-                <a:solidFill>
-                  <a:schemeClr val="dk1"/>
-                </a:solidFill>
-                <a:latin typeface="Malgun Gothic"/>
-                <a:ea typeface="Malgun Gothic"/>
-                <a:cs typeface="Malgun Gothic"/>
-                <a:sym typeface="Malgun Gothic"/>
-              </a:rPr>
-              <a:t>And c.예약여부=‘n’</a:t>
-            </a:r>
-            <a:endParaRPr sz="1800">
-              <a:solidFill>
-                <a:schemeClr val="dk1"/>
-              </a:solidFill>
-              <a:latin typeface="Malgun Gothic"/>
-              <a:ea typeface="Malgun Gothic"/>
-              <a:cs typeface="Malgun Gothic"/>
-              <a:sym typeface="Malgun Gothic"/>
-            </a:endParaRPr>
-          </a:p>
-        </p:txBody>
-      </p:sp>
       <p:grpSp>
         <p:nvGrpSpPr>
           <p:cNvPr id="143" name="Google Shape;143;p14"/>
@@ -21082,6 +20494,205 @@
           </p:spPr>
         </p:cxnSp>
       </p:grpSp>
+      <p:grpSp>
+        <p:nvGrpSpPr>
+          <p:cNvPr id="57" name="Google Shape;143;p14"/>
+          <p:cNvGrpSpPr/>
+          <p:nvPr/>
+        </p:nvGrpSpPr>
+        <p:grpSpPr>
+          <a:xfrm rot="16200000">
+            <a:off x="5477964" y="3324838"/>
+            <a:ext cx="808500" cy="198600"/>
+            <a:chOff x="3022756" y="-346639"/>
+            <a:chExt cx="808500" cy="198600"/>
+          </a:xfrm>
+        </p:grpSpPr>
+        <p:cxnSp>
+          <p:nvCxnSpPr>
+            <p:cNvPr id="58" name="Google Shape;144;p14"/>
+            <p:cNvCxnSpPr/>
+            <p:nvPr/>
+          </p:nvCxnSpPr>
+          <p:spPr>
+            <a:xfrm>
+              <a:off x="3022756" y="-247394"/>
+              <a:ext cx="808500" cy="0"/>
+            </a:xfrm>
+            <a:prstGeom prst="straightConnector1">
+              <a:avLst/>
+            </a:prstGeom>
+            <a:noFill/>
+            <a:ln w="9525" cap="flat" cmpd="sng">
+              <a:solidFill>
+                <a:schemeClr val="dk1"/>
+              </a:solidFill>
+              <a:prstDash val="dash"/>
+              <a:miter lim="800000"/>
+              <a:headEnd type="none" w="sm" len="sm"/>
+              <a:tailEnd type="none" w="sm" len="sm"/>
+            </a:ln>
+          </p:spPr>
+        </p:cxnSp>
+        <p:cxnSp>
+          <p:nvCxnSpPr>
+            <p:cNvPr id="59" name="Google Shape;145;p14"/>
+            <p:cNvCxnSpPr/>
+            <p:nvPr/>
+          </p:nvCxnSpPr>
+          <p:spPr>
+            <a:xfrm>
+              <a:off x="3022756" y="-346639"/>
+              <a:ext cx="111600" cy="99300"/>
+            </a:xfrm>
+            <a:prstGeom prst="straightConnector1">
+              <a:avLst/>
+            </a:prstGeom>
+            <a:noFill/>
+            <a:ln w="9525" cap="flat" cmpd="sng">
+              <a:solidFill>
+                <a:schemeClr val="dk1"/>
+              </a:solidFill>
+              <a:prstDash val="solid"/>
+              <a:miter lim="800000"/>
+              <a:headEnd type="none" w="sm" len="sm"/>
+              <a:tailEnd type="none" w="sm" len="sm"/>
+            </a:ln>
+          </p:spPr>
+        </p:cxnSp>
+        <p:cxnSp>
+          <p:nvCxnSpPr>
+            <p:cNvPr id="60" name="Google Shape;146;p14"/>
+            <p:cNvCxnSpPr/>
+            <p:nvPr/>
+          </p:nvCxnSpPr>
+          <p:spPr>
+            <a:xfrm rot="10800000" flipH="1">
+              <a:off x="3022756" y="-247449"/>
+              <a:ext cx="111600" cy="99300"/>
+            </a:xfrm>
+            <a:prstGeom prst="straightConnector1">
+              <a:avLst/>
+            </a:prstGeom>
+            <a:noFill/>
+            <a:ln w="9525" cap="flat" cmpd="sng">
+              <a:solidFill>
+                <a:schemeClr val="dk1"/>
+              </a:solidFill>
+              <a:prstDash val="solid"/>
+              <a:miter lim="800000"/>
+              <a:headEnd type="none" w="sm" len="sm"/>
+              <a:tailEnd type="none" w="sm" len="sm"/>
+            </a:ln>
+          </p:spPr>
+        </p:cxnSp>
+        <p:cxnSp>
+          <p:nvCxnSpPr>
+            <p:cNvPr id="61" name="Google Shape;147;p14"/>
+            <p:cNvCxnSpPr/>
+            <p:nvPr/>
+          </p:nvCxnSpPr>
+          <p:spPr>
+            <a:xfrm>
+              <a:off x="3722918" y="-346639"/>
+              <a:ext cx="0" cy="198600"/>
+            </a:xfrm>
+            <a:prstGeom prst="straightConnector1">
+              <a:avLst/>
+            </a:prstGeom>
+            <a:noFill/>
+            <a:ln w="9525" cap="flat" cmpd="sng">
+              <a:solidFill>
+                <a:schemeClr val="dk1"/>
+              </a:solidFill>
+              <a:prstDash val="solid"/>
+              <a:miter lim="800000"/>
+              <a:headEnd type="none" w="sm" len="sm"/>
+              <a:tailEnd type="none" w="sm" len="sm"/>
+            </a:ln>
+          </p:spPr>
+        </p:cxnSp>
+        <p:sp>
+          <p:nvSpPr>
+            <p:cNvPr id="62" name="Google Shape;148;p14"/>
+            <p:cNvSpPr/>
+            <p:nvPr/>
+          </p:nvSpPr>
+          <p:spPr>
+            <a:xfrm>
+              <a:off x="3134269" y="-297017"/>
+              <a:ext cx="99300" cy="99300"/>
+            </a:xfrm>
+            <a:prstGeom prst="ellipse">
+              <a:avLst/>
+            </a:prstGeom>
+            <a:solidFill>
+              <a:schemeClr val="lt1"/>
+            </a:solidFill>
+            <a:ln w="9525" cap="flat" cmpd="sng">
+              <a:solidFill>
+                <a:schemeClr val="dk1"/>
+              </a:solidFill>
+              <a:prstDash val="solid"/>
+              <a:miter lim="800000"/>
+              <a:headEnd type="none" w="sm" len="sm"/>
+              <a:tailEnd type="none" w="sm" len="sm"/>
+            </a:ln>
+          </p:spPr>
+          <p:txBody>
+            <a:bodyPr spcFirstLastPara="1" wrap="square" lIns="91425" tIns="45700" rIns="91425" bIns="45700" anchor="ctr" anchorCtr="0">
+              <a:noAutofit/>
+            </a:bodyPr>
+            <a:lstStyle/>
+            <a:p>
+              <a:pPr marL="0" marR="0" lvl="0" indent="0" algn="ctr" rtl="0">
+                <a:spcBef>
+                  <a:spcPts val="0"/>
+                </a:spcBef>
+                <a:spcAft>
+                  <a:spcPts val="0"/>
+                </a:spcAft>
+                <a:buNone/>
+              </a:pPr>
+              <a:endParaRPr sz="1800" b="0" i="0" u="none" strike="noStrike" cap="none">
+                <a:solidFill>
+                  <a:schemeClr val="lt1"/>
+                </a:solidFill>
+                <a:latin typeface="Malgun Gothic"/>
+                <a:ea typeface="Malgun Gothic"/>
+                <a:cs typeface="Malgun Gothic"/>
+                <a:sym typeface="Malgun Gothic"/>
+              </a:endParaRPr>
+            </a:p>
+          </p:txBody>
+        </p:sp>
+        <p:cxnSp>
+          <p:nvCxnSpPr>
+            <p:cNvPr id="63" name="Google Shape;149;p14"/>
+            <p:cNvCxnSpPr/>
+            <p:nvPr/>
+          </p:nvCxnSpPr>
+          <p:spPr>
+            <a:xfrm>
+              <a:off x="3134269" y="-346639"/>
+              <a:ext cx="0" cy="198600"/>
+            </a:xfrm>
+            <a:prstGeom prst="straightConnector1">
+              <a:avLst/>
+            </a:prstGeom>
+            <a:noFill/>
+            <a:ln w="9525" cap="flat" cmpd="sng">
+              <a:solidFill>
+                <a:schemeClr val="dk1"/>
+              </a:solidFill>
+              <a:prstDash val="solid"/>
+              <a:miter lim="800000"/>
+              <a:headEnd type="none" w="sm" len="sm"/>
+              <a:tailEnd type="none" w="sm" len="sm"/>
+            </a:ln>
+          </p:spPr>
+        </p:cxnSp>
+      </p:grpSp>
     </p:spTree>
   </p:cSld>
   <p:clrMapOvr>
@@ -23175,60 +22786,6 @@
           </a:ln>
         </p:spPr>
       </p:cxnSp>
-      <p:pic>
-        <p:nvPicPr>
-          <p:cNvPr id="207" name="Google Shape;207;p16"/>
-          <p:cNvPicPr preferRelativeResize="0"/>
-          <p:nvPr/>
-        </p:nvPicPr>
-        <p:blipFill rotWithShape="1">
-          <a:blip r:embed="rId3">
-            <a:alphaModFix/>
-          </a:blip>
-          <a:srcRect/>
-          <a:stretch/>
-        </p:blipFill>
-        <p:spPr>
-          <a:xfrm rot="-9000000">
-            <a:off x="1766963" y="3457812"/>
-            <a:ext cx="816935" cy="207282"/>
-          </a:xfrm>
-          <a:prstGeom prst="rect">
-            <a:avLst/>
-          </a:prstGeom>
-          <a:noFill/>
-          <a:ln>
-            <a:noFill/>
-          </a:ln>
-        </p:spPr>
-      </p:pic>
-      <p:pic>
-        <p:nvPicPr>
-          <p:cNvPr id="208" name="Google Shape;208;p16"/>
-          <p:cNvPicPr preferRelativeResize="0"/>
-          <p:nvPr/>
-        </p:nvPicPr>
-        <p:blipFill rotWithShape="1">
-          <a:blip r:embed="rId3">
-            <a:alphaModFix/>
-          </a:blip>
-          <a:srcRect/>
-          <a:stretch/>
-        </p:blipFill>
-        <p:spPr>
-          <a:xfrm rot="10800000">
-            <a:off x="1871116" y="1860534"/>
-            <a:ext cx="604498" cy="284351"/>
-          </a:xfrm>
-          <a:prstGeom prst="rect">
-            <a:avLst/>
-          </a:prstGeom>
-          <a:noFill/>
-          <a:ln>
-            <a:noFill/>
-          </a:ln>
-        </p:spPr>
-      </p:pic>
       <p:graphicFrame>
         <p:nvGraphicFramePr>
           <p:cNvPr id="209" name="Google Shape;209;p16"/>
@@ -23609,33 +23166,6 @@
           </a:p>
         </p:txBody>
       </p:sp>
-      <p:pic>
-        <p:nvPicPr>
-          <p:cNvPr id="215" name="Google Shape;215;p16"/>
-          <p:cNvPicPr preferRelativeResize="0"/>
-          <p:nvPr/>
-        </p:nvPicPr>
-        <p:blipFill rotWithShape="1">
-          <a:blip r:embed="rId3">
-            <a:alphaModFix/>
-          </a:blip>
-          <a:srcRect/>
-          <a:stretch/>
-        </p:blipFill>
-        <p:spPr>
-          <a:xfrm rot="5400000">
-            <a:off x="10596274" y="4896470"/>
-            <a:ext cx="816935" cy="207282"/>
-          </a:xfrm>
-          <a:prstGeom prst="rect">
-            <a:avLst/>
-          </a:prstGeom>
-          <a:noFill/>
-          <a:ln>
-            <a:noFill/>
-          </a:ln>
-        </p:spPr>
-      </p:pic>
       <p:cxnSp>
         <p:nvCxnSpPr>
           <p:cNvPr id="216" name="Google Shape;216;p16"/>
@@ -23827,15 +23357,15 @@
           <p:nvPr/>
         </p:nvPicPr>
         <p:blipFill rotWithShape="1">
-          <a:blip r:embed="rId4">
+          <a:blip r:embed="rId3">
             <a:alphaModFix/>
           </a:blip>
           <a:srcRect/>
           <a:stretch/>
         </p:blipFill>
         <p:spPr>
-          <a:xfrm rot="10800000">
-            <a:off x="4227657" y="1653251"/>
+          <a:xfrm>
+            <a:off x="4278186" y="1795427"/>
             <a:ext cx="816935" cy="207282"/>
           </a:xfrm>
           <a:prstGeom prst="rect">
@@ -23854,7 +23384,7 @@
           <p:nvPr/>
         </p:nvPicPr>
         <p:blipFill rotWithShape="1">
-          <a:blip r:embed="rId4">
+          <a:blip r:embed="rId3">
             <a:alphaModFix/>
           </a:blip>
           <a:srcRect/>
@@ -23862,7 +23392,7 @@
         </p:blipFill>
         <p:spPr>
           <a:xfrm rot="10800000">
-            <a:off x="4227657" y="3800259"/>
+            <a:off x="1760310" y="2174378"/>
             <a:ext cx="816935" cy="207282"/>
           </a:xfrm>
           <a:prstGeom prst="rect">
@@ -23928,10 +23458,16 @@
         <p:nvGraphicFramePr>
           <p:cNvPr id="225" name="Google Shape;225;p16"/>
           <p:cNvGraphicFramePr/>
-          <p:nvPr/>
+          <p:nvPr>
+            <p:extLst>
+              <p:ext uri="{D42A27DB-BD31-4B8C-83A1-F6EECF244321}">
+                <p14:modId xmlns:p14="http://schemas.microsoft.com/office/powerpoint/2010/main" val="74378845"/>
+              </p:ext>
+            </p:extLst>
+          </p:nvPr>
         </p:nvGraphicFramePr>
         <p:xfrm>
-          <a:off x="6093232" y="1578379"/>
+          <a:off x="5387331" y="1179734"/>
           <a:ext cx="1458325" cy="1645950"/>
         </p:xfrm>
         <a:graphic>
@@ -23960,10 +23496,10 @@
                         <a:buNone/>
                       </a:pPr>
                       <a:r>
-                        <a:rPr lang="ko-KR" sz="1000" b="0"/>
+                        <a:rPr lang="ko-KR" sz="1000" b="0" dirty="0"/>
                         <a:t>호텔</a:t>
                       </a:r>
-                      <a:endParaRPr sz="1000" b="0" u="none" strike="noStrike" cap="none"/>
+                      <a:endParaRPr sz="1000" b="0" u="none" strike="noStrike" cap="none" dirty="0"/>
                     </a:p>
                   </a:txBody>
                   <a:tcPr marL="91450" marR="91450" marT="45725" marB="45725"/>
@@ -23993,18 +23529,18 @@
                         <a:buNone/>
                       </a:pPr>
                       <a:r>
-                        <a:rPr lang="ko-KR" sz="1000" b="0" u="none" strike="noStrike" cap="none"/>
+                        <a:rPr lang="ko-KR" sz="1000" b="0" u="none" strike="noStrike" cap="none" dirty="0"/>
                         <a:t>#</a:t>
                       </a:r>
                       <a:r>
-                        <a:rPr lang="ko-KR" sz="1000"/>
+                        <a:rPr lang="ko-KR" sz="1000" dirty="0"/>
                         <a:t>호텔코드</a:t>
                       </a:r>
                       <a:r>
-                        <a:rPr lang="ko-KR" sz="1000" b="0" u="none" strike="noStrike" cap="none"/>
+                        <a:rPr lang="ko-KR" sz="1000" b="0" u="none" strike="noStrike" cap="none" dirty="0"/>
                         <a:t>(PK)</a:t>
                       </a:r>
-                      <a:endParaRPr/>
+                      <a:endParaRPr dirty="0"/>
                     </a:p>
                   </a:txBody>
                   <a:tcPr marL="91450" marR="91450" marT="45725" marB="45725"/>
@@ -24026,106 +23562,115 @@
                         <a:buNone/>
                       </a:pPr>
                       <a:r>
-                        <a:rPr lang="ko-KR" sz="1000"/>
+                        <a:rPr lang="ko-KR" sz="1000" dirty="0"/>
                         <a:t>호텔이름</a:t>
                       </a:r>
-                      <a:endParaRPr sz="1000" b="0" u="none" strike="noStrike" cap="none"/>
-                    </a:p>
-                    <a:p>
-                      <a:pPr marL="0" marR="0" lvl="0" indent="0" algn="l" rtl="0">
-                        <a:spcBef>
-                          <a:spcPts val="0"/>
-                        </a:spcBef>
-                        <a:spcAft>
-                          <a:spcPts val="0"/>
-                        </a:spcAft>
-                        <a:buNone/>
-                      </a:pPr>
-                      <a:r>
-                        <a:rPr lang="ko-KR" sz="1000"/>
-                        <a:t>체크인날짜</a:t>
-                      </a:r>
-                      <a:endParaRPr sz="1000"/>
-                    </a:p>
-                    <a:p>
-                      <a:pPr marL="0" marR="0" lvl="0" indent="0" algn="l" rtl="0">
-                        <a:spcBef>
-                          <a:spcPts val="0"/>
-                        </a:spcBef>
-                        <a:spcAft>
-                          <a:spcPts val="0"/>
-                        </a:spcAft>
-                        <a:buNone/>
-                      </a:pPr>
-                      <a:r>
-                        <a:rPr lang="ko-KR" sz="1000"/>
-                        <a:t>체크아웃날짜</a:t>
-                      </a:r>
-                      <a:endParaRPr sz="1000"/>
-                    </a:p>
-                    <a:p>
-                      <a:pPr marL="0" marR="0" lvl="0" indent="0" algn="l" rtl="0">
-                        <a:spcBef>
-                          <a:spcPts val="0"/>
-                        </a:spcBef>
-                        <a:spcAft>
-                          <a:spcPts val="0"/>
-                        </a:spcAft>
-                        <a:buNone/>
-                      </a:pPr>
-                      <a:r>
-                        <a:rPr lang="ko-KR" sz="1000"/>
+                      <a:endParaRPr sz="1000" b="0" u="none" strike="noStrike" cap="none" dirty="0"/>
+                    </a:p>
+                    <a:p>
+                      <a:pPr marL="0" marR="0" lvl="0" indent="0" algn="l" rtl="0">
+                        <a:spcBef>
+                          <a:spcPts val="0"/>
+                        </a:spcBef>
+                        <a:spcAft>
+                          <a:spcPts val="0"/>
+                        </a:spcAft>
+                        <a:buNone/>
+                      </a:pPr>
+                      <a:r>
+                        <a:rPr lang="ko-KR" sz="1000" dirty="0" smtClean="0"/>
                         <a:t>도시</a:t>
                       </a:r>
-                      <a:endParaRPr sz="1000"/>
-                    </a:p>
-                    <a:p>
-                      <a:pPr marL="0" marR="0" lvl="0" indent="0" algn="l" rtl="0">
-                        <a:spcBef>
-                          <a:spcPts val="0"/>
-                        </a:spcBef>
-                        <a:spcAft>
-                          <a:spcPts val="0"/>
-                        </a:spcAft>
-                        <a:buNone/>
-                      </a:pPr>
-                      <a:r>
-                        <a:rPr lang="ko-KR" sz="1000"/>
+                      <a:endParaRPr sz="1000" dirty="0"/>
+                    </a:p>
+                    <a:p>
+                      <a:pPr marL="0" marR="0" lvl="0" indent="0" algn="l" rtl="0">
+                        <a:spcBef>
+                          <a:spcPts val="0"/>
+                        </a:spcBef>
+                        <a:spcAft>
+                          <a:spcPts val="0"/>
+                        </a:spcAft>
+                        <a:buNone/>
+                      </a:pPr>
+                      <a:r>
+                        <a:rPr lang="ko-KR" sz="1000" dirty="0"/>
                         <a:t>주소</a:t>
                       </a:r>
-                      <a:endParaRPr sz="1000"/>
-                    </a:p>
-                    <a:p>
-                      <a:pPr marL="0" marR="0" lvl="0" indent="0" algn="l" rtl="0">
-                        <a:spcBef>
-                          <a:spcPts val="0"/>
-                        </a:spcBef>
-                        <a:spcAft>
-                          <a:spcPts val="0"/>
-                        </a:spcAft>
-                        <a:buNone/>
-                      </a:pPr>
-                      <a:r>
-                        <a:rPr lang="ko-KR" sz="1000"/>
+                      <a:endParaRPr sz="1000" dirty="0"/>
+                    </a:p>
+                    <a:p>
+                      <a:pPr marL="0" marR="0" lvl="0" indent="0" algn="l" rtl="0">
+                        <a:spcBef>
+                          <a:spcPts val="0"/>
+                        </a:spcBef>
+                        <a:spcAft>
+                          <a:spcPts val="0"/>
+                        </a:spcAft>
+                        <a:buNone/>
+                      </a:pPr>
+                      <a:r>
+                        <a:rPr lang="ko-KR" sz="1000" dirty="0"/>
                         <a:t>전화번호</a:t>
                       </a:r>
-                      <a:endParaRPr sz="1000"/>
-                    </a:p>
-                    <a:p>
-                      <a:pPr marL="0" marR="0" lvl="0" indent="0" algn="l" rtl="0">
-                        <a:spcBef>
-                          <a:spcPts val="0"/>
-                        </a:spcBef>
-                        <a:spcAft>
-                          <a:spcPts val="0"/>
-                        </a:spcAft>
-                        <a:buNone/>
-                      </a:pPr>
-                      <a:r>
-                        <a:rPr lang="ko-KR" sz="1000"/>
+                      <a:endParaRPr sz="1000" dirty="0"/>
+                    </a:p>
+                    <a:p>
+                      <a:pPr marL="0" marR="0" lvl="0" indent="0" algn="l" rtl="0">
+                        <a:spcBef>
+                          <a:spcPts val="0"/>
+                        </a:spcBef>
+                        <a:spcAft>
+                          <a:spcPts val="0"/>
+                        </a:spcAft>
+                        <a:buNone/>
+                      </a:pPr>
+                      <a:r>
+                        <a:rPr lang="ko-KR" sz="1000" dirty="0" err="1" smtClean="0"/>
                         <a:t>이메일</a:t>
                       </a:r>
-                      <a:endParaRPr sz="1000"/>
+                      <a:endParaRPr lang="en-US" altLang="ko-KR" sz="1000" dirty="0" smtClean="0"/>
+                    </a:p>
+                    <a:p>
+                      <a:pPr marL="0" marR="0" lvl="0" indent="0" algn="l" rtl="0">
+                        <a:spcBef>
+                          <a:spcPts val="0"/>
+                        </a:spcBef>
+                        <a:spcAft>
+                          <a:spcPts val="0"/>
+                        </a:spcAft>
+                        <a:buNone/>
+                      </a:pPr>
+                      <a:r>
+                        <a:rPr lang="ko-KR" altLang="en-US" sz="1000" dirty="0" smtClean="0"/>
+                        <a:t>홈페이지</a:t>
+                      </a:r>
+                      <a:endParaRPr lang="en-US" altLang="ko-KR" sz="1000" dirty="0" smtClean="0"/>
+                    </a:p>
+                    <a:p>
+                      <a:pPr marL="0" marR="0" lvl="0" indent="0" algn="l" defTabSz="914400" rtl="0" eaLnBrk="1" fontAlgn="auto" latinLnBrk="0" hangingPunct="1">
+                        <a:lnSpc>
+                          <a:spcPct val="100000"/>
+                        </a:lnSpc>
+                        <a:spcBef>
+                          <a:spcPts val="0"/>
+                        </a:spcBef>
+                        <a:spcAft>
+                          <a:spcPts val="0"/>
+                        </a:spcAft>
+                        <a:buClr>
+                          <a:srgbClr val="000000"/>
+                        </a:buClr>
+                        <a:buSzTx/>
+                        <a:buFont typeface="Arial"/>
+                        <a:buNone/>
+                        <a:tabLst/>
+                        <a:defRPr/>
+                      </a:pPr>
+                      <a:r>
+                        <a:rPr lang="ko-KR" altLang="en-US" sz="1000" dirty="0" smtClean="0"/>
+                        <a:t>호텔이미지</a:t>
+                      </a:r>
                     </a:p>
                   </a:txBody>
                   <a:tcPr marL="91450" marR="91450" marT="45725" marB="45725"/>
@@ -24139,10 +23684,744 @@
         <p:nvGraphicFramePr>
           <p:cNvPr id="226" name="Google Shape;226;p16"/>
           <p:cNvGraphicFramePr/>
-          <p:nvPr/>
+          <p:nvPr>
+            <p:extLst>
+              <p:ext uri="{D42A27DB-BD31-4B8C-83A1-F6EECF244321}">
+                <p14:modId xmlns:p14="http://schemas.microsoft.com/office/powerpoint/2010/main" val="2980891582"/>
+              </p:ext>
+            </p:extLst>
+          </p:nvPr>
         </p:nvGraphicFramePr>
         <p:xfrm>
-          <a:off x="2475636" y="1209464"/>
+          <a:off x="2708510" y="1305678"/>
+          <a:ext cx="1458325" cy="2042200"/>
+        </p:xfrm>
+        <a:graphic>
+          <a:graphicData uri="http://schemas.openxmlformats.org/drawingml/2006/table">
+            <a:tbl>
+              <a:tblPr firstRow="1" bandRow="1">
+                <a:noFill/>
+                <a:tableStyleId>{5E242488-F3AB-4D78-95C9-D24BE66AF8A3}</a:tableStyleId>
+              </a:tblPr>
+              <a:tblGrid>
+                <a:gridCol w="1458325"/>
+              </a:tblGrid>
+              <a:tr h="125575">
+                <a:tc>
+                  <a:txBody>
+                    <a:bodyPr/>
+                    <a:lstStyle/>
+                    <a:p>
+                      <a:pPr marL="0" marR="0" lvl="0" indent="0" algn="l" rtl="0">
+                        <a:spcBef>
+                          <a:spcPts val="0"/>
+                        </a:spcBef>
+                        <a:spcAft>
+                          <a:spcPts val="0"/>
+                        </a:spcAft>
+                        <a:buNone/>
+                      </a:pPr>
+                      <a:r>
+                        <a:rPr lang="ko-KR" sz="1000" b="0" dirty="0"/>
+                        <a:t>호텔</a:t>
+                      </a:r>
+                      <a:r>
+                        <a:rPr lang="ko-KR" sz="1000" b="0" u="none" strike="noStrike" cap="none" dirty="0"/>
+                        <a:t>예약</a:t>
+                      </a:r>
+                      <a:endParaRPr sz="1000" b="0" u="none" strike="noStrike" cap="none" dirty="0"/>
+                    </a:p>
+                  </a:txBody>
+                  <a:tcPr marL="91450" marR="91450" marT="45725" marB="45725"/>
+                </a:tc>
+              </a:tr>
+              <a:tr h="125575">
+                <a:tc>
+                  <a:txBody>
+                    <a:bodyPr/>
+                    <a:lstStyle/>
+                    <a:p>
+                      <a:pPr marL="0" marR="0" lvl="0" indent="0" algn="l" rtl="0">
+                        <a:lnSpc>
+                          <a:spcPct val="100000"/>
+                        </a:lnSpc>
+                        <a:spcBef>
+                          <a:spcPts val="0"/>
+                        </a:spcBef>
+                        <a:spcAft>
+                          <a:spcPts val="0"/>
+                        </a:spcAft>
+                        <a:buClr>
+                          <a:schemeClr val="dk1"/>
+                        </a:buClr>
+                        <a:buSzPts val="1000"/>
+                        <a:buFont typeface="Malgun Gothic"/>
+                        <a:buNone/>
+                      </a:pPr>
+                      <a:r>
+                        <a:rPr lang="ko-KR" sz="1000" b="0" u="none" strike="noStrike" cap="none" dirty="0" smtClean="0"/>
+                        <a:t>#</a:t>
+                      </a:r>
+                      <a:r>
+                        <a:rPr lang="ko-KR" altLang="en-US" sz="1000" b="0" u="none" strike="noStrike" cap="none" dirty="0" smtClean="0"/>
+                        <a:t>예약코드</a:t>
+                      </a:r>
+                      <a:r>
+                        <a:rPr lang="en-US" altLang="ko-KR" sz="1000" b="0" u="none" strike="noStrike" cap="none" dirty="0" smtClean="0"/>
+                        <a:t>(PK)</a:t>
+                      </a:r>
+                      <a:endParaRPr dirty="0"/>
+                    </a:p>
+                  </a:txBody>
+                  <a:tcPr marL="91450" marR="91450" marT="45725" marB="45725"/>
+                </a:tc>
+              </a:tr>
+              <a:tr h="376675">
+                <a:tc>
+                  <a:txBody>
+                    <a:bodyPr/>
+                    <a:lstStyle/>
+                    <a:p>
+                      <a:pPr marL="0" marR="0" lvl="0" indent="0" algn="l" rtl="0">
+                        <a:lnSpc>
+                          <a:spcPct val="100000"/>
+                        </a:lnSpc>
+                        <a:spcBef>
+                          <a:spcPts val="0"/>
+                        </a:spcBef>
+                        <a:spcAft>
+                          <a:spcPts val="0"/>
+                        </a:spcAft>
+                        <a:buClr>
+                          <a:schemeClr val="dk1"/>
+                        </a:buClr>
+                        <a:buSzPts val="1000"/>
+                        <a:buFont typeface="Malgun Gothic"/>
+                        <a:buNone/>
+                      </a:pPr>
+                      <a:r>
+                        <a:rPr lang="ko-KR" sz="1000" b="0" u="none" strike="noStrike" cap="none" dirty="0" smtClean="0"/>
+                        <a:t>예약자명</a:t>
+                      </a:r>
+                      <a:endParaRPr sz="1000" b="0" u="none" strike="noStrike" cap="none" dirty="0" smtClean="0"/>
+                    </a:p>
+                    <a:p>
+                      <a:pPr marL="0" marR="0" lvl="0" indent="0" algn="l" rtl="0">
+                        <a:lnSpc>
+                          <a:spcPct val="100000"/>
+                        </a:lnSpc>
+                        <a:spcBef>
+                          <a:spcPts val="0"/>
+                        </a:spcBef>
+                        <a:spcAft>
+                          <a:spcPts val="0"/>
+                        </a:spcAft>
+                        <a:buClr>
+                          <a:schemeClr val="dk1"/>
+                        </a:buClr>
+                        <a:buSzPts val="1000"/>
+                        <a:buFont typeface="Malgun Gothic"/>
+                        <a:buNone/>
+                      </a:pPr>
+                      <a:r>
+                        <a:rPr lang="ko-KR" sz="1000" b="0" u="none" strike="noStrike" cap="none" dirty="0" smtClean="0"/>
+                        <a:t>예약날짜 </a:t>
+                      </a:r>
+                      <a:endParaRPr sz="1000" b="0" u="none" strike="noStrike" cap="none" dirty="0" smtClean="0"/>
+                    </a:p>
+                    <a:p>
+                      <a:pPr marL="0" marR="0" lvl="0" indent="0" algn="l" rtl="0">
+                        <a:spcBef>
+                          <a:spcPts val="0"/>
+                        </a:spcBef>
+                        <a:spcAft>
+                          <a:spcPts val="0"/>
+                        </a:spcAft>
+                        <a:buNone/>
+                      </a:pPr>
+                      <a:r>
+                        <a:rPr lang="ko-KR" sz="1000" b="0" u="none" strike="noStrike" cap="none" dirty="0" smtClean="0"/>
+                        <a:t>기타의견</a:t>
+                      </a:r>
+                      <a:endParaRPr lang="en-US" altLang="ko-KR" sz="1000" b="0" u="none" strike="noStrike" cap="none" dirty="0" smtClean="0"/>
+                    </a:p>
+                    <a:p>
+                      <a:pPr marL="0" marR="0" lvl="0" indent="0" algn="l" rtl="0">
+                        <a:spcBef>
+                          <a:spcPts val="0"/>
+                        </a:spcBef>
+                        <a:spcAft>
+                          <a:spcPts val="0"/>
+                        </a:spcAft>
+                        <a:buNone/>
+                      </a:pPr>
+                      <a:r>
+                        <a:rPr lang="ko-KR" altLang="en-US" sz="1000" dirty="0" smtClean="0"/>
+                        <a:t>체크인날짜</a:t>
+                      </a:r>
+                    </a:p>
+                    <a:p>
+                      <a:pPr marL="0" marR="0" lvl="0" indent="0" algn="l" rtl="0">
+                        <a:spcBef>
+                          <a:spcPts val="0"/>
+                        </a:spcBef>
+                        <a:spcAft>
+                          <a:spcPts val="0"/>
+                        </a:spcAft>
+                        <a:buNone/>
+                      </a:pPr>
+                      <a:r>
+                        <a:rPr lang="ko-KR" altLang="en-US" sz="1000" dirty="0" smtClean="0"/>
+                        <a:t>체크아웃날짜</a:t>
+                      </a:r>
+                      <a:endParaRPr lang="en-US" altLang="ko-KR" sz="1000" dirty="0" smtClean="0"/>
+                    </a:p>
+                    <a:p>
+                      <a:pPr marL="0" marR="0" lvl="0" indent="0" algn="l" rtl="0">
+                        <a:spcBef>
+                          <a:spcPts val="0"/>
+                        </a:spcBef>
+                        <a:spcAft>
+                          <a:spcPts val="0"/>
+                        </a:spcAft>
+                        <a:buNone/>
+                      </a:pPr>
+                      <a:r>
+                        <a:rPr lang="ko-KR" altLang="en-US" sz="1000" dirty="0" smtClean="0"/>
+                        <a:t>예약인원</a:t>
+                      </a:r>
+                    </a:p>
+                    <a:p>
+                      <a:pPr marL="0" marR="0" lvl="0" indent="0" algn="l" rtl="0">
+                        <a:spcBef>
+                          <a:spcPts val="0"/>
+                        </a:spcBef>
+                        <a:spcAft>
+                          <a:spcPts val="0"/>
+                        </a:spcAft>
+                        <a:buNone/>
+                      </a:pPr>
+                      <a:endParaRPr sz="1000" b="0" u="none" strike="noStrike" cap="none" dirty="0" smtClean="0"/>
+                    </a:p>
+                  </a:txBody>
+                  <a:tcPr marL="91450" marR="91450" marT="45725" marB="45725"/>
+                </a:tc>
+              </a:tr>
+              <a:tr h="361050">
+                <a:tc>
+                  <a:txBody>
+                    <a:bodyPr/>
+                    <a:lstStyle/>
+                    <a:p>
+                      <a:pPr marL="0" marR="0" lvl="0" indent="0" algn="l" rtl="0">
+                        <a:lnSpc>
+                          <a:spcPct val="100000"/>
+                        </a:lnSpc>
+                        <a:spcBef>
+                          <a:spcPts val="0"/>
+                        </a:spcBef>
+                        <a:spcAft>
+                          <a:spcPts val="0"/>
+                        </a:spcAft>
+                        <a:buClr>
+                          <a:schemeClr val="dk1"/>
+                        </a:buClr>
+                        <a:buSzPts val="1000"/>
+                        <a:buFont typeface="Malgun Gothic"/>
+                        <a:buNone/>
+                      </a:pPr>
+                      <a:r>
+                        <a:rPr lang="ko-KR" sz="1000" b="0" u="none" strike="noStrike" cap="none" dirty="0"/>
+                        <a:t>아이디(FK)</a:t>
+                      </a:r>
+                      <a:endParaRPr dirty="0"/>
+                    </a:p>
+                    <a:p>
+                      <a:pPr marL="0" marR="0" lvl="0" indent="0" algn="l" rtl="0">
+                        <a:lnSpc>
+                          <a:spcPct val="100000"/>
+                        </a:lnSpc>
+                        <a:spcBef>
+                          <a:spcPts val="0"/>
+                        </a:spcBef>
+                        <a:spcAft>
+                          <a:spcPts val="0"/>
+                        </a:spcAft>
+                        <a:buClr>
+                          <a:schemeClr val="dk1"/>
+                        </a:buClr>
+                        <a:buSzPts val="1000"/>
+                        <a:buFont typeface="Malgun Gothic"/>
+                        <a:buNone/>
+                      </a:pPr>
+                      <a:r>
+                        <a:rPr lang="ko-KR" altLang="en-US" sz="1000" b="0" u="none" strike="noStrike" cap="none" dirty="0" smtClean="0"/>
+                        <a:t>호텔코드</a:t>
+                      </a:r>
+                      <a:r>
+                        <a:rPr lang="ko-KR" sz="1000" b="0" u="none" strike="noStrike" cap="none" dirty="0" smtClean="0"/>
+                        <a:t>(</a:t>
+                      </a:r>
+                      <a:r>
+                        <a:rPr lang="ko-KR" sz="1000" b="0" u="none" strike="noStrike" cap="none" dirty="0"/>
+                        <a:t>FK)</a:t>
+                      </a:r>
+                      <a:endParaRPr dirty="0"/>
+                    </a:p>
+                  </a:txBody>
+                  <a:tcPr marL="91450" marR="91450" marT="45725" marB="45725"/>
+                </a:tc>
+              </a:tr>
+            </a:tbl>
+          </a:graphicData>
+        </a:graphic>
+      </p:graphicFrame>
+      <p:graphicFrame>
+        <p:nvGraphicFramePr>
+          <p:cNvPr id="227" name="Google Shape;227;p16"/>
+          <p:cNvGraphicFramePr/>
+          <p:nvPr>
+            <p:extLst>
+              <p:ext uri="{D42A27DB-BD31-4B8C-83A1-F6EECF244321}">
+                <p14:modId xmlns:p14="http://schemas.microsoft.com/office/powerpoint/2010/main" val="3640458381"/>
+              </p:ext>
+            </p:extLst>
+          </p:nvPr>
+        </p:nvGraphicFramePr>
+        <p:xfrm>
+          <a:off x="10011974" y="737956"/>
+          <a:ext cx="1458325" cy="3383300"/>
+        </p:xfrm>
+        <a:graphic>
+          <a:graphicData uri="http://schemas.openxmlformats.org/drawingml/2006/table">
+            <a:tbl>
+              <a:tblPr firstRow="1" bandRow="1">
+                <a:noFill/>
+                <a:tableStyleId>{5E242488-F3AB-4D78-95C9-D24BE66AF8A3}</a:tableStyleId>
+              </a:tblPr>
+              <a:tblGrid>
+                <a:gridCol w="1458325"/>
+              </a:tblGrid>
+              <a:tr h="204425">
+                <a:tc>
+                  <a:txBody>
+                    <a:bodyPr/>
+                    <a:lstStyle/>
+                    <a:p>
+                      <a:pPr marL="0" marR="0" lvl="0" indent="0" algn="l" rtl="0">
+                        <a:spcBef>
+                          <a:spcPts val="0"/>
+                        </a:spcBef>
+                        <a:spcAft>
+                          <a:spcPts val="0"/>
+                        </a:spcAft>
+                        <a:buNone/>
+                      </a:pPr>
+                      <a:r>
+                        <a:rPr lang="ko-KR" altLang="en-US" sz="1000" b="0" u="none" strike="noStrike" cap="none" dirty="0" smtClean="0"/>
+                        <a:t>호텔</a:t>
+                      </a:r>
+                      <a:r>
+                        <a:rPr lang="ko-KR" sz="1000" b="0" u="none" strike="noStrike" cap="none" dirty="0" smtClean="0"/>
+                        <a:t>예약</a:t>
+                      </a:r>
+                      <a:r>
+                        <a:rPr lang="ko-KR" sz="1000" b="0" u="none" strike="noStrike" cap="none" dirty="0"/>
+                        <a:t>(view)</a:t>
+                      </a:r>
+                      <a:endParaRPr sz="1000" b="0" u="none" strike="noStrike" cap="none" dirty="0"/>
+                    </a:p>
+                  </a:txBody>
+                  <a:tcPr marL="91450" marR="91450" marT="45725" marB="45725"/>
+                </a:tc>
+              </a:tr>
+              <a:tr h="2248550">
+                <a:tc>
+                  <a:txBody>
+                    <a:bodyPr/>
+                    <a:lstStyle/>
+                    <a:p>
+                      <a:pPr marL="0" marR="0" lvl="0" indent="0" algn="l" rtl="0">
+                        <a:lnSpc>
+                          <a:spcPct val="100000"/>
+                        </a:lnSpc>
+                        <a:spcBef>
+                          <a:spcPts val="0"/>
+                        </a:spcBef>
+                        <a:spcAft>
+                          <a:spcPts val="0"/>
+                        </a:spcAft>
+                        <a:buClr>
+                          <a:schemeClr val="dk1"/>
+                        </a:buClr>
+                        <a:buSzPts val="1000"/>
+                        <a:buFont typeface="Malgun Gothic"/>
+                        <a:buNone/>
+                      </a:pPr>
+                      <a:r>
+                        <a:rPr lang="ko-KR" altLang="en-US" sz="1000" b="0" u="none" strike="noStrike" cap="none" dirty="0" smtClean="0"/>
+                        <a:t>예약자명</a:t>
+                      </a:r>
+                    </a:p>
+                    <a:p>
+                      <a:pPr marL="0" marR="0" lvl="0" indent="0" algn="l" rtl="0">
+                        <a:lnSpc>
+                          <a:spcPct val="100000"/>
+                        </a:lnSpc>
+                        <a:spcBef>
+                          <a:spcPts val="0"/>
+                        </a:spcBef>
+                        <a:spcAft>
+                          <a:spcPts val="0"/>
+                        </a:spcAft>
+                        <a:buClr>
+                          <a:schemeClr val="dk1"/>
+                        </a:buClr>
+                        <a:buSzPts val="1000"/>
+                        <a:buFont typeface="Malgun Gothic"/>
+                        <a:buNone/>
+                      </a:pPr>
+                      <a:r>
+                        <a:rPr lang="ko-KR" altLang="en-US" sz="1000" b="0" u="none" strike="noStrike" cap="none" dirty="0" smtClean="0"/>
+                        <a:t>예약날짜 </a:t>
+                      </a:r>
+                    </a:p>
+                    <a:p>
+                      <a:pPr marL="0" marR="0" lvl="0" indent="0" algn="l" rtl="0">
+                        <a:spcBef>
+                          <a:spcPts val="0"/>
+                        </a:spcBef>
+                        <a:spcAft>
+                          <a:spcPts val="0"/>
+                        </a:spcAft>
+                        <a:buNone/>
+                      </a:pPr>
+                      <a:r>
+                        <a:rPr lang="ko-KR" altLang="en-US" sz="1000" b="0" u="none" strike="noStrike" cap="none" dirty="0" smtClean="0"/>
+                        <a:t>기타의견</a:t>
+                      </a:r>
+                    </a:p>
+                    <a:p>
+                      <a:pPr marL="0" marR="0" lvl="0" indent="0" algn="l" rtl="0">
+                        <a:spcBef>
+                          <a:spcPts val="0"/>
+                        </a:spcBef>
+                        <a:spcAft>
+                          <a:spcPts val="0"/>
+                        </a:spcAft>
+                        <a:buNone/>
+                      </a:pPr>
+                      <a:r>
+                        <a:rPr lang="ko-KR" altLang="en-US" sz="1000" dirty="0" smtClean="0"/>
+                        <a:t>체크인날짜</a:t>
+                      </a:r>
+                    </a:p>
+                    <a:p>
+                      <a:pPr marL="0" marR="0" lvl="0" indent="0" algn="l" rtl="0">
+                        <a:spcBef>
+                          <a:spcPts val="0"/>
+                        </a:spcBef>
+                        <a:spcAft>
+                          <a:spcPts val="0"/>
+                        </a:spcAft>
+                        <a:buNone/>
+                      </a:pPr>
+                      <a:r>
+                        <a:rPr lang="ko-KR" altLang="en-US" sz="1000" dirty="0" smtClean="0"/>
+                        <a:t>체크아웃날짜</a:t>
+                      </a:r>
+                    </a:p>
+                    <a:p>
+                      <a:pPr marL="0" marR="0" lvl="0" indent="0" algn="l" rtl="0">
+                        <a:spcBef>
+                          <a:spcPts val="0"/>
+                        </a:spcBef>
+                        <a:spcAft>
+                          <a:spcPts val="0"/>
+                        </a:spcAft>
+                        <a:buNone/>
+                      </a:pPr>
+                      <a:r>
+                        <a:rPr lang="ko-KR" altLang="en-US" sz="1000" dirty="0" smtClean="0"/>
+                        <a:t>예약인원</a:t>
+                      </a:r>
+                      <a:endParaRPr lang="en-US" altLang="ko-KR" sz="1000" dirty="0" smtClean="0"/>
+                    </a:p>
+                    <a:p>
+                      <a:pPr marL="0" marR="0" lvl="0" indent="0" algn="l" rtl="0">
+                        <a:spcBef>
+                          <a:spcPts val="0"/>
+                        </a:spcBef>
+                        <a:spcAft>
+                          <a:spcPts val="0"/>
+                        </a:spcAft>
+                        <a:buNone/>
+                      </a:pPr>
+                      <a:endParaRPr lang="en-US" altLang="ko-KR" sz="1000" dirty="0" smtClean="0"/>
+                    </a:p>
+                    <a:p>
+                      <a:pPr marL="0" marR="0" lvl="0" indent="0" algn="l" rtl="0">
+                        <a:spcBef>
+                          <a:spcPts val="0"/>
+                        </a:spcBef>
+                        <a:spcAft>
+                          <a:spcPts val="0"/>
+                        </a:spcAft>
+                        <a:buNone/>
+                      </a:pPr>
+                      <a:r>
+                        <a:rPr lang="ko-KR" altLang="en-US" sz="1000" dirty="0" smtClean="0"/>
+                        <a:t>호텔이름</a:t>
+                      </a:r>
+                      <a:endParaRPr lang="ko-KR" altLang="en-US" sz="1000" b="0" u="none" strike="noStrike" cap="none" dirty="0" smtClean="0"/>
+                    </a:p>
+                    <a:p>
+                      <a:pPr marL="0" marR="0" lvl="0" indent="0" algn="l" rtl="0">
+                        <a:spcBef>
+                          <a:spcPts val="0"/>
+                        </a:spcBef>
+                        <a:spcAft>
+                          <a:spcPts val="0"/>
+                        </a:spcAft>
+                        <a:buNone/>
+                      </a:pPr>
+                      <a:r>
+                        <a:rPr lang="ko-KR" altLang="en-US" sz="1000" dirty="0" smtClean="0"/>
+                        <a:t>도시</a:t>
+                      </a:r>
+                    </a:p>
+                    <a:p>
+                      <a:pPr marL="0" marR="0" lvl="0" indent="0" algn="l" rtl="0">
+                        <a:spcBef>
+                          <a:spcPts val="0"/>
+                        </a:spcBef>
+                        <a:spcAft>
+                          <a:spcPts val="0"/>
+                        </a:spcAft>
+                        <a:buNone/>
+                      </a:pPr>
+                      <a:r>
+                        <a:rPr lang="ko-KR" altLang="en-US" sz="1000" dirty="0" smtClean="0"/>
+                        <a:t>주소</a:t>
+                      </a:r>
+                    </a:p>
+                    <a:p>
+                      <a:pPr marL="0" marR="0" lvl="0" indent="0" algn="l" rtl="0">
+                        <a:spcBef>
+                          <a:spcPts val="0"/>
+                        </a:spcBef>
+                        <a:spcAft>
+                          <a:spcPts val="0"/>
+                        </a:spcAft>
+                        <a:buNone/>
+                      </a:pPr>
+                      <a:r>
+                        <a:rPr lang="ko-KR" altLang="en-US" sz="1000" dirty="0" smtClean="0"/>
+                        <a:t>전화번호</a:t>
+                      </a:r>
+                    </a:p>
+                    <a:p>
+                      <a:pPr marL="0" marR="0" lvl="0" indent="0" algn="l" rtl="0">
+                        <a:spcBef>
+                          <a:spcPts val="0"/>
+                        </a:spcBef>
+                        <a:spcAft>
+                          <a:spcPts val="0"/>
+                        </a:spcAft>
+                        <a:buNone/>
+                      </a:pPr>
+                      <a:r>
+                        <a:rPr lang="ko-KR" altLang="en-US" sz="1000" dirty="0" err="1" smtClean="0"/>
+                        <a:t>이메일</a:t>
+                      </a:r>
+                      <a:endParaRPr lang="ko-KR" altLang="en-US" sz="1000" dirty="0" smtClean="0"/>
+                    </a:p>
+                    <a:p>
+                      <a:pPr marL="0" marR="0" lvl="0" indent="0" algn="l" rtl="0">
+                        <a:spcBef>
+                          <a:spcPts val="0"/>
+                        </a:spcBef>
+                        <a:spcAft>
+                          <a:spcPts val="0"/>
+                        </a:spcAft>
+                        <a:buNone/>
+                      </a:pPr>
+                      <a:r>
+                        <a:rPr lang="ko-KR" altLang="en-US" sz="1000" dirty="0" smtClean="0"/>
+                        <a:t>홈페이지</a:t>
+                      </a:r>
+                    </a:p>
+                    <a:p>
+                      <a:pPr marL="0" marR="0" lvl="0" indent="0" algn="l" defTabSz="914400" rtl="0" eaLnBrk="1" fontAlgn="auto" latinLnBrk="0" hangingPunct="1">
+                        <a:lnSpc>
+                          <a:spcPct val="100000"/>
+                        </a:lnSpc>
+                        <a:spcBef>
+                          <a:spcPts val="0"/>
+                        </a:spcBef>
+                        <a:spcAft>
+                          <a:spcPts val="0"/>
+                        </a:spcAft>
+                        <a:buClr>
+                          <a:srgbClr val="000000"/>
+                        </a:buClr>
+                        <a:buSzTx/>
+                        <a:buFont typeface="Arial"/>
+                        <a:buNone/>
+                        <a:tabLst/>
+                        <a:defRPr/>
+                      </a:pPr>
+                      <a:r>
+                        <a:rPr lang="ko-KR" altLang="en-US" sz="1000" dirty="0" smtClean="0"/>
+                        <a:t>호텔이미지</a:t>
+                      </a:r>
+                    </a:p>
+                    <a:p>
+                      <a:pPr marL="0" marR="0" lvl="0" indent="0" algn="l" rtl="0">
+                        <a:spcBef>
+                          <a:spcPts val="0"/>
+                        </a:spcBef>
+                        <a:spcAft>
+                          <a:spcPts val="0"/>
+                        </a:spcAft>
+                        <a:buNone/>
+                      </a:pPr>
+                      <a:endParaRPr lang="ko-KR" altLang="en-US" sz="1000" dirty="0" smtClean="0"/>
+                    </a:p>
+                    <a:p>
+                      <a:pPr marL="0" marR="0" lvl="0" indent="0" algn="l" rtl="0">
+                        <a:lnSpc>
+                          <a:spcPct val="100000"/>
+                        </a:lnSpc>
+                        <a:spcBef>
+                          <a:spcPts val="0"/>
+                        </a:spcBef>
+                        <a:spcAft>
+                          <a:spcPts val="0"/>
+                        </a:spcAft>
+                        <a:buClr>
+                          <a:schemeClr val="dk1"/>
+                        </a:buClr>
+                        <a:buSzPts val="1000"/>
+                        <a:buFont typeface="Malgun Gothic"/>
+                        <a:buNone/>
+                      </a:pPr>
+                      <a:r>
+                        <a:rPr lang="ko-KR" altLang="en-US" sz="1000" dirty="0" err="1" smtClean="0"/>
+                        <a:t>방이름</a:t>
+                      </a:r>
+                      <a:endParaRPr lang="ko-KR" altLang="en-US" sz="1000" dirty="0" smtClean="0"/>
+                    </a:p>
+                    <a:p>
+                      <a:pPr marL="0" marR="0" lvl="0" indent="0" algn="l" defTabSz="914400" rtl="0" eaLnBrk="1" fontAlgn="auto" latinLnBrk="0" hangingPunct="1">
+                        <a:lnSpc>
+                          <a:spcPct val="100000"/>
+                        </a:lnSpc>
+                        <a:spcBef>
+                          <a:spcPts val="0"/>
+                        </a:spcBef>
+                        <a:spcAft>
+                          <a:spcPts val="0"/>
+                        </a:spcAft>
+                        <a:buClr>
+                          <a:schemeClr val="dk1"/>
+                        </a:buClr>
+                        <a:buSzPts val="1000"/>
+                        <a:buFont typeface="Malgun Gothic"/>
+                        <a:buNone/>
+                        <a:tabLst/>
+                        <a:defRPr/>
+                      </a:pPr>
+                      <a:r>
+                        <a:rPr lang="ko-KR" altLang="en-US" sz="1000" dirty="0" err="1" smtClean="0"/>
+                        <a:t>룸타입</a:t>
+                      </a:r>
+                      <a:endParaRPr lang="ko-KR" altLang="en-US" sz="1000" dirty="0" smtClean="0"/>
+                    </a:p>
+                    <a:p>
+                      <a:pPr marL="0" marR="0" lvl="0" indent="0" algn="l" rtl="0">
+                        <a:lnSpc>
+                          <a:spcPct val="100000"/>
+                        </a:lnSpc>
+                        <a:spcBef>
+                          <a:spcPts val="0"/>
+                        </a:spcBef>
+                        <a:spcAft>
+                          <a:spcPts val="0"/>
+                        </a:spcAft>
+                        <a:buClr>
+                          <a:schemeClr val="dk1"/>
+                        </a:buClr>
+                        <a:buSzPts val="1000"/>
+                        <a:buFont typeface="Malgun Gothic"/>
+                        <a:buNone/>
+                      </a:pPr>
+                      <a:r>
+                        <a:rPr lang="ko-KR" altLang="en-US" sz="1000" dirty="0" smtClean="0"/>
+                        <a:t>가격</a:t>
+                      </a:r>
+                    </a:p>
+                    <a:p>
+                      <a:pPr marL="0" lvl="0" indent="0" algn="l" rtl="0">
+                        <a:spcBef>
+                          <a:spcPts val="0"/>
+                        </a:spcBef>
+                        <a:spcAft>
+                          <a:spcPts val="0"/>
+                        </a:spcAft>
+                        <a:buClr>
+                          <a:schemeClr val="dk1"/>
+                        </a:buClr>
+                        <a:buFont typeface="Arial"/>
+                        <a:buNone/>
+                      </a:pPr>
+                      <a:r>
+                        <a:rPr lang="ko-KR" altLang="en-US" sz="1000" dirty="0" smtClean="0"/>
+                        <a:t>시설</a:t>
+                      </a:r>
+                    </a:p>
+                    <a:p>
+                      <a:pPr marL="0" lvl="0" indent="0" algn="l" rtl="0">
+                        <a:spcBef>
+                          <a:spcPts val="0"/>
+                        </a:spcBef>
+                        <a:spcAft>
+                          <a:spcPts val="0"/>
+                        </a:spcAft>
+                        <a:buClr>
+                          <a:schemeClr val="dk1"/>
+                        </a:buClr>
+                        <a:buFont typeface="Arial"/>
+                        <a:buNone/>
+                      </a:pPr>
+                      <a:r>
+                        <a:rPr lang="ko-KR" altLang="en-US" sz="1000" dirty="0" err="1" smtClean="0"/>
+                        <a:t>방이미지</a:t>
+                      </a:r>
+                      <a:endParaRPr sz="1000" b="0" u="none" strike="noStrike" cap="none" dirty="0"/>
+                    </a:p>
+                  </a:txBody>
+                  <a:tcPr marL="91450" marR="91450" marT="45725" marB="45725"/>
+                </a:tc>
+              </a:tr>
+            </a:tbl>
+          </a:graphicData>
+        </a:graphic>
+      </p:graphicFrame>
+      <p:graphicFrame>
+        <p:nvGraphicFramePr>
+          <p:cNvPr id="228" name="Google Shape;228;p16"/>
+          <p:cNvGraphicFramePr/>
+          <p:nvPr>
+            <p:extLst>
+              <p:ext uri="{D42A27DB-BD31-4B8C-83A1-F6EECF244321}">
+                <p14:modId xmlns:p14="http://schemas.microsoft.com/office/powerpoint/2010/main" val="1796923072"/>
+              </p:ext>
+            </p:extLst>
+          </p:nvPr>
+        </p:nvGraphicFramePr>
+        <p:xfrm>
+          <a:off x="5387330" y="3644727"/>
           <a:ext cx="1458325" cy="1889800"/>
         </p:xfrm>
         <a:graphic>
@@ -24155,36 +24434,32 @@
               <a:tblGrid>
                 <a:gridCol w="1458325"/>
               </a:tblGrid>
-              <a:tr h="125575">
-                <a:tc>
-                  <a:txBody>
-                    <a:bodyPr/>
-                    <a:lstStyle/>
-                    <a:p>
-                      <a:pPr marL="0" marR="0" lvl="0" indent="0" algn="l" rtl="0">
-                        <a:spcBef>
-                          <a:spcPts val="0"/>
-                        </a:spcBef>
-                        <a:spcAft>
-                          <a:spcPts val="0"/>
-                        </a:spcAft>
-                        <a:buNone/>
-                      </a:pPr>
-                      <a:r>
-                        <a:rPr lang="ko-KR" sz="1000" b="0"/>
-                        <a:t>호텔</a:t>
-                      </a:r>
-                      <a:r>
-                        <a:rPr lang="ko-KR" sz="1000" b="0" u="none" strike="noStrike" cap="none"/>
-                        <a:t>예약</a:t>
-                      </a:r>
-                      <a:endParaRPr sz="1000" b="0" u="none" strike="noStrike" cap="none"/>
+              <a:tr h="127000">
+                <a:tc>
+                  <a:txBody>
+                    <a:bodyPr/>
+                    <a:lstStyle/>
+                    <a:p>
+                      <a:pPr marL="0" marR="0" lvl="0" indent="0" algn="l" rtl="0">
+                        <a:spcBef>
+                          <a:spcPts val="0"/>
+                        </a:spcBef>
+                        <a:spcAft>
+                          <a:spcPts val="0"/>
+                        </a:spcAft>
+                        <a:buNone/>
+                      </a:pPr>
+                      <a:r>
+                        <a:rPr lang="ko-KR" sz="1000" b="0" dirty="0"/>
+                        <a:t>방</a:t>
+                      </a:r>
+                      <a:endParaRPr sz="1000" b="0" u="none" strike="noStrike" cap="none" dirty="0"/>
                     </a:p>
                   </a:txBody>
                   <a:tcPr marL="91450" marR="91450" marT="45725" marB="45725"/>
                 </a:tc>
               </a:tr>
-              <a:tr h="125575">
+              <a:tr h="127000">
                 <a:tc>
                   <a:txBody>
                     <a:bodyPr/>
@@ -24208,16 +24483,24 @@
                         <a:buNone/>
                       </a:pPr>
                       <a:r>
-                        <a:rPr lang="ko-KR" sz="1000" b="0" u="none" strike="noStrike" cap="none"/>
-                        <a:t>#예약코드(PK)</a:t>
-                      </a:r>
-                      <a:endParaRPr/>
+                        <a:rPr lang="ko-KR" sz="1000" b="0" u="none" strike="noStrike" cap="none" dirty="0"/>
+                        <a:t>#</a:t>
+                      </a:r>
+                      <a:r>
+                        <a:rPr lang="ko-KR" sz="1000" dirty="0" err="1"/>
+                        <a:t>방번호</a:t>
+                      </a:r>
+                      <a:r>
+                        <a:rPr lang="ko-KR" sz="1000" b="0" u="none" strike="noStrike" cap="none" dirty="0"/>
+                        <a:t>(PK)</a:t>
+                      </a:r>
+                      <a:endParaRPr dirty="0"/>
                     </a:p>
                   </a:txBody>
                   <a:tcPr marL="91450" marR="91450" marT="45725" marB="45725"/>
                 </a:tc>
               </a:tr>
-              <a:tr h="376675">
+              <a:tr h="127000">
                 <a:tc>
                   <a:txBody>
                     <a:bodyPr/>
@@ -24241,13 +24524,13 @@
                         <a:buNone/>
                       </a:pPr>
                       <a:r>
-                        <a:rPr lang="ko-KR" sz="1000" b="0" u="none" strike="noStrike" cap="none"/>
-                        <a:t>예약자명</a:t>
-                      </a:r>
-                      <a:endParaRPr sz="1000" b="0" u="none" strike="noStrike" cap="none"/>
-                    </a:p>
-                    <a:p>
-                      <a:pPr marL="0" marR="0" lvl="0" indent="0" algn="l" rtl="0">
+                        <a:rPr lang="ko-KR" sz="1000" dirty="0" err="1" smtClean="0"/>
+                        <a:t>방이름</a:t>
+                      </a:r>
+                      <a:endParaRPr lang="en-US" altLang="ko-KR" sz="1000" dirty="0" smtClean="0"/>
+                    </a:p>
+                    <a:p>
+                      <a:pPr marL="0" marR="0" lvl="0" indent="0" algn="l" defTabSz="914400" rtl="0" eaLnBrk="1" fontAlgn="auto" latinLnBrk="0" hangingPunct="1">
                         <a:lnSpc>
                           <a:spcPct val="100000"/>
                         </a:lnSpc>
@@ -24263,86 +24546,15 @@
                         <a:buSzPts val="1000"/>
                         <a:buFont typeface="Malgun Gothic"/>
                         <a:buNone/>
-                      </a:pPr>
-                      <a:r>
-                        <a:rPr lang="ko-KR" sz="1000" b="0" u="none" strike="noStrike" cap="none"/>
-                        <a:t>예약날짜 </a:t>
-                      </a:r>
-                      <a:endParaRPr sz="1000" b="0" u="none" strike="noStrike" cap="none"/>
-                    </a:p>
-                    <a:p>
-                      <a:pPr marL="0" marR="0" lvl="0" indent="0" algn="l" rtl="0">
-                        <a:spcBef>
-                          <a:spcPts val="0"/>
-                        </a:spcBef>
-                        <a:spcAft>
-                          <a:spcPts val="0"/>
-                        </a:spcAft>
-                        <a:buNone/>
-                      </a:pPr>
-                      <a:r>
-                        <a:rPr lang="ko-KR" sz="1000" b="0" u="none" strike="noStrike" cap="none"/>
-                        <a:t>여권번호</a:t>
-                      </a:r>
-                      <a:endParaRPr sz="1000" b="0" u="none" strike="noStrike" cap="none"/>
-                    </a:p>
-                    <a:p>
-                      <a:pPr marL="0" marR="0" lvl="0" indent="0" algn="l" rtl="0">
-                        <a:spcBef>
-                          <a:spcPts val="0"/>
-                        </a:spcBef>
-                        <a:spcAft>
-                          <a:spcPts val="0"/>
-                        </a:spcAft>
-                        <a:buNone/>
-                      </a:pPr>
-                      <a:r>
-                        <a:rPr lang="ko-KR" sz="1000" b="0" u="none" strike="noStrike" cap="none"/>
-                        <a:t>기타의견</a:t>
-                      </a:r>
-                      <a:endParaRPr sz="1000" b="0" u="none" strike="noStrike" cap="none"/>
-                    </a:p>
-                    <a:p>
-                      <a:pPr marL="0" marR="0" lvl="0" indent="0" algn="l" rtl="0">
-                        <a:spcBef>
-                          <a:spcPts val="0"/>
-                        </a:spcBef>
-                        <a:spcAft>
-                          <a:spcPts val="0"/>
-                        </a:spcAft>
-                        <a:buNone/>
-                      </a:pPr>
-                      <a:r>
-                        <a:rPr lang="ko-KR" sz="1000" b="0" u="none" strike="noStrike" cap="none"/>
-                        <a:t>좌석등급 </a:t>
-                      </a:r>
-                      <a:endParaRPr sz="1000" b="0" u="none" strike="noStrike" cap="none"/>
-                    </a:p>
-                    <a:p>
-                      <a:pPr marL="0" marR="0" lvl="0" indent="0" algn="l" rtl="0">
-                        <a:spcBef>
-                          <a:spcPts val="0"/>
-                        </a:spcBef>
-                        <a:spcAft>
-                          <a:spcPts val="0"/>
-                        </a:spcAft>
-                        <a:buNone/>
-                      </a:pPr>
-                      <a:r>
-                        <a:rPr lang="ko-KR" sz="1000" b="0" u="none" strike="noStrike" cap="none"/>
-                        <a:t>좌석번호</a:t>
-                      </a:r>
-                      <a:endParaRPr sz="1000" b="0" u="none" strike="noStrike" cap="none"/>
-                    </a:p>
-                  </a:txBody>
-                  <a:tcPr marL="91450" marR="91450" marT="45725" marB="45725"/>
-                </a:tc>
-              </a:tr>
-              <a:tr h="361050">
-                <a:tc>
-                  <a:txBody>
-                    <a:bodyPr/>
-                    <a:lstStyle/>
+                        <a:tabLst/>
+                        <a:defRPr/>
+                      </a:pPr>
+                      <a:r>
+                        <a:rPr lang="ko-KR" altLang="en-US" sz="1000" dirty="0" err="1" smtClean="0"/>
+                        <a:t>룸타입</a:t>
+                      </a:r>
+                      <a:endParaRPr lang="en-US" altLang="ko-KR" sz="1000" dirty="0" smtClean="0"/>
+                    </a:p>
                     <a:p>
                       <a:pPr marL="0" marR="0" lvl="0" indent="0" algn="l" rtl="0">
                         <a:lnSpc>
@@ -24362,10 +24574,10 @@
                         <a:buNone/>
                       </a:pPr>
                       <a:r>
-                        <a:rPr lang="ko-KR" sz="1000" b="0" u="none" strike="noStrike" cap="none"/>
-                        <a:t>아이디(FK)</a:t>
-                      </a:r>
-                      <a:endParaRPr/>
+                        <a:rPr lang="ko-KR" altLang="en-US" sz="1000" dirty="0" smtClean="0"/>
+                        <a:t>수용인원</a:t>
+                      </a:r>
+                      <a:endParaRPr sz="1000" dirty="0"/>
                     </a:p>
                     <a:p>
                       <a:pPr marL="0" marR="0" lvl="0" indent="0" algn="l" rtl="0">
@@ -24386,10 +24598,119 @@
                         <a:buNone/>
                       </a:pPr>
                       <a:r>
-                        <a:rPr lang="ko-KR" sz="1000" b="0" u="none" strike="noStrike" cap="none"/>
-                        <a:t>항공편(FK)</a:t>
-                      </a:r>
-                      <a:endParaRPr/>
+                        <a:rPr lang="ko-KR" sz="1000" dirty="0"/>
+                        <a:t>가격</a:t>
+                      </a:r>
+                      <a:endParaRPr sz="1000" dirty="0"/>
+                    </a:p>
+                    <a:p>
+                      <a:pPr marL="0" lvl="0" indent="0" algn="l" rtl="0">
+                        <a:spcBef>
+                          <a:spcPts val="0"/>
+                        </a:spcBef>
+                        <a:spcAft>
+                          <a:spcPts val="0"/>
+                        </a:spcAft>
+                        <a:buClr>
+                          <a:schemeClr val="dk1"/>
+                        </a:buClr>
+                        <a:buFont typeface="Arial"/>
+                        <a:buNone/>
+                      </a:pPr>
+                      <a:r>
+                        <a:rPr lang="ko-KR" sz="1000" dirty="0" smtClean="0"/>
+                        <a:t>시설</a:t>
+                      </a:r>
+                      <a:endParaRPr sz="1000" dirty="0"/>
+                    </a:p>
+                    <a:p>
+                      <a:pPr marL="0" lvl="0" indent="0" algn="l" rtl="0">
+                        <a:spcBef>
+                          <a:spcPts val="0"/>
+                        </a:spcBef>
+                        <a:spcAft>
+                          <a:spcPts val="0"/>
+                        </a:spcAft>
+                        <a:buClr>
+                          <a:schemeClr val="dk1"/>
+                        </a:buClr>
+                        <a:buFont typeface="Arial"/>
+                        <a:buNone/>
+                      </a:pPr>
+                      <a:r>
+                        <a:rPr lang="ko-KR" altLang="en-US" sz="1000" dirty="0" err="1" smtClean="0"/>
+                        <a:t>방</a:t>
+                      </a:r>
+                      <a:r>
+                        <a:rPr lang="ko-KR" sz="1000" dirty="0" err="1" smtClean="0"/>
+                        <a:t>이미지</a:t>
+                      </a:r>
+                      <a:endParaRPr sz="1000" dirty="0"/>
+                    </a:p>
+                    <a:p>
+                      <a:pPr marL="0" marR="0" lvl="0" indent="0" algn="l" rtl="0">
+                        <a:lnSpc>
+                          <a:spcPct val="100000"/>
+                        </a:lnSpc>
+                        <a:spcBef>
+                          <a:spcPts val="0"/>
+                        </a:spcBef>
+                        <a:spcAft>
+                          <a:spcPts val="0"/>
+                        </a:spcAft>
+                        <a:buClr>
+                          <a:schemeClr val="dk1"/>
+                        </a:buClr>
+                        <a:buSzPts val="1000"/>
+                        <a:buFont typeface="Malgun Gothic"/>
+                        <a:buNone/>
+                      </a:pPr>
+                      <a:r>
+                        <a:rPr lang="ko-KR" sz="1000" b="0" u="none" strike="noStrike" cap="none" dirty="0"/>
+                        <a:t>예약여부(Y/N)</a:t>
+                      </a:r>
+                      <a:endParaRPr dirty="0"/>
+                    </a:p>
+                  </a:txBody>
+                  <a:tcPr marL="91450" marR="91450" marT="45725" marB="45725"/>
+                </a:tc>
+              </a:tr>
+              <a:tr h="165633">
+                <a:tc>
+                  <a:txBody>
+                    <a:bodyPr/>
+                    <a:lstStyle/>
+                    <a:p>
+                      <a:pPr marL="0" marR="0" lvl="0" indent="0" algn="l" rtl="0">
+                        <a:lnSpc>
+                          <a:spcPct val="100000"/>
+                        </a:lnSpc>
+                        <a:spcBef>
+                          <a:spcPts val="0"/>
+                        </a:spcBef>
+                        <a:spcAft>
+                          <a:spcPts val="0"/>
+                        </a:spcAft>
+                        <a:buClr>
+                          <a:schemeClr val="dk1"/>
+                        </a:buClr>
+                        <a:buSzPts val="1000"/>
+                        <a:buFont typeface="Malgun Gothic"/>
+                        <a:buNone/>
+                      </a:pPr>
+                      <a:r>
+                        <a:rPr lang="ko-KR" altLang="en-US" sz="1000" b="0" u="none" strike="noStrike" cap="none" dirty="0" smtClean="0"/>
+                        <a:t>호텔코드</a:t>
+                      </a:r>
+                      <a:r>
+                        <a:rPr lang="ko-KR" sz="1000" b="0" u="none" strike="noStrike" cap="none" dirty="0" smtClean="0"/>
+                        <a:t>(</a:t>
+                      </a:r>
+                      <a:r>
+                        <a:rPr lang="ko-KR" sz="1000" b="0" u="none" strike="noStrike" cap="none" dirty="0"/>
+                        <a:t>FK)</a:t>
+                      </a:r>
+                      <a:endParaRPr dirty="0"/>
                     </a:p>
                   </a:txBody>
                   <a:tcPr marL="91450" marR="91450" marT="45725" marB="45725"/>
@@ -24399,653 +24720,48 @@
           </a:graphicData>
         </a:graphic>
       </p:graphicFrame>
+      <p:pic>
+        <p:nvPicPr>
+          <p:cNvPr id="47" name="Google Shape;222;p16"/>
+          <p:cNvPicPr preferRelativeResize="0"/>
+          <p:nvPr/>
+        </p:nvPicPr>
+        <p:blipFill rotWithShape="1">
+          <a:blip r:embed="rId3">
+            <a:alphaModFix/>
+          </a:blip>
+          <a:srcRect/>
+          <a:stretch/>
+        </p:blipFill>
+        <p:spPr>
+          <a:xfrm rot="16200000">
+            <a:off x="5564316" y="3130510"/>
+            <a:ext cx="816935" cy="207282"/>
+          </a:xfrm>
+          <a:prstGeom prst="rect">
+            <a:avLst/>
+          </a:prstGeom>
+          <a:noFill/>
+          <a:ln>
+            <a:noFill/>
+          </a:ln>
+        </p:spPr>
+      </p:pic>
       <p:graphicFrame>
         <p:nvGraphicFramePr>
-          <p:cNvPr id="227" name="Google Shape;227;p16"/>
+          <p:cNvPr id="48" name="Google Shape;229;p16"/>
           <p:cNvGraphicFramePr/>
-          <p:nvPr/>
+          <p:nvPr>
+            <p:extLst>
+              <p:ext uri="{D42A27DB-BD31-4B8C-83A1-F6EECF244321}">
+                <p14:modId xmlns:p14="http://schemas.microsoft.com/office/powerpoint/2010/main" val="1995159511"/>
+              </p:ext>
+            </p:extLst>
+          </p:nvPr>
         </p:nvGraphicFramePr>
         <p:xfrm>
-          <a:off x="10387974" y="1209485"/>
-          <a:ext cx="1458325" cy="3078500"/>
-        </p:xfrm>
-        <a:graphic>
-          <a:graphicData uri="http://schemas.openxmlformats.org/drawingml/2006/table">
-            <a:tbl>
-              <a:tblPr firstRow="1" bandRow="1">
-                <a:noFill/>
-                <a:tableStyleId>{5E242488-F3AB-4D78-95C9-D24BE66AF8A3}</a:tableStyleId>
-              </a:tblPr>
-              <a:tblGrid>
-                <a:gridCol w="1458325"/>
-              </a:tblGrid>
-              <a:tr h="204425">
-                <a:tc>
-                  <a:txBody>
-                    <a:bodyPr/>
-                    <a:lstStyle/>
-                    <a:p>
-                      <a:pPr marL="0" marR="0" lvl="0" indent="0" algn="l" rtl="0">
-                        <a:spcBef>
-                          <a:spcPts val="0"/>
-                        </a:spcBef>
-                        <a:spcAft>
-                          <a:spcPts val="0"/>
-                        </a:spcAft>
-                        <a:buNone/>
-                      </a:pPr>
-                      <a:r>
-                        <a:rPr lang="ko-KR" sz="1000" b="0" u="none" strike="noStrike" cap="none"/>
-                        <a:t>항공편예약(view)</a:t>
-                      </a:r>
-                      <a:endParaRPr sz="1000" b="0" u="none" strike="noStrike" cap="none"/>
-                    </a:p>
-                  </a:txBody>
-                  <a:tcPr marL="91450" marR="91450" marT="45725" marB="45725"/>
-                </a:tc>
-              </a:tr>
-              <a:tr h="2248550">
-                <a:tc>
-                  <a:txBody>
-                    <a:bodyPr/>
-                    <a:lstStyle/>
-                    <a:p>
-                      <a:pPr marL="0" marR="0" lvl="0" indent="0" algn="l" rtl="0">
-                        <a:lnSpc>
-                          <a:spcPct val="100000"/>
-                        </a:lnSpc>
-                        <a:spcBef>
-                          <a:spcPts val="0"/>
-                        </a:spcBef>
-                        <a:spcAft>
-                          <a:spcPts val="0"/>
-                        </a:spcAft>
-                        <a:buClr>
-                          <a:schemeClr val="dk1"/>
-                        </a:buClr>
-                        <a:buSzPts val="1000"/>
-                        <a:buFont typeface="Malgun Gothic"/>
-                        <a:buNone/>
-                      </a:pPr>
-                      <a:r>
-                        <a:rPr lang="ko-KR" sz="1000" b="0" u="none" strike="noStrike" cap="none"/>
-                        <a:t>예약자명</a:t>
-                      </a:r>
-                      <a:endParaRPr sz="1000" b="0" u="none" strike="noStrike" cap="none"/>
-                    </a:p>
-                    <a:p>
-                      <a:pPr marL="0" marR="0" lvl="0" indent="0" algn="l" rtl="0">
-                        <a:lnSpc>
-                          <a:spcPct val="100000"/>
-                        </a:lnSpc>
-                        <a:spcBef>
-                          <a:spcPts val="0"/>
-                        </a:spcBef>
-                        <a:spcAft>
-                          <a:spcPts val="0"/>
-                        </a:spcAft>
-                        <a:buClr>
-                          <a:schemeClr val="dk1"/>
-                        </a:buClr>
-                        <a:buSzPts val="1000"/>
-                        <a:buFont typeface="Malgun Gothic"/>
-                        <a:buNone/>
-                      </a:pPr>
-                      <a:r>
-                        <a:rPr lang="ko-KR" sz="1000" b="0" u="none" strike="noStrike" cap="none"/>
-                        <a:t>예약날짜 </a:t>
-                      </a:r>
-                      <a:endParaRPr sz="1000" b="0" u="none" strike="noStrike" cap="none"/>
-                    </a:p>
-                    <a:p>
-                      <a:pPr marL="0" marR="0" lvl="0" indent="0" algn="l" rtl="0">
-                        <a:spcBef>
-                          <a:spcPts val="0"/>
-                        </a:spcBef>
-                        <a:spcAft>
-                          <a:spcPts val="0"/>
-                        </a:spcAft>
-                        <a:buNone/>
-                      </a:pPr>
-                      <a:r>
-                        <a:rPr lang="ko-KR" sz="1000" b="0" u="none" strike="noStrike" cap="none"/>
-                        <a:t>여권번호</a:t>
-                      </a:r>
-                      <a:endParaRPr sz="1000" b="0" u="none" strike="noStrike" cap="none"/>
-                    </a:p>
-                    <a:p>
-                      <a:pPr marL="0" marR="0" lvl="0" indent="0" algn="l" rtl="0">
-                        <a:lnSpc>
-                          <a:spcPct val="100000"/>
-                        </a:lnSpc>
-                        <a:spcBef>
-                          <a:spcPts val="0"/>
-                        </a:spcBef>
-                        <a:spcAft>
-                          <a:spcPts val="0"/>
-                        </a:spcAft>
-                        <a:buClr>
-                          <a:schemeClr val="dk1"/>
-                        </a:buClr>
-                        <a:buSzPts val="1000"/>
-                        <a:buFont typeface="Malgun Gothic"/>
-                        <a:buNone/>
-                      </a:pPr>
-                      <a:r>
-                        <a:rPr lang="ko-KR" sz="1000" b="0" u="none" strike="noStrike" cap="none"/>
-                        <a:t>기타의견</a:t>
-                      </a:r>
-                      <a:endParaRPr sz="1000" b="0" u="none" strike="noStrike" cap="none"/>
-                    </a:p>
-                    <a:p>
-                      <a:pPr marL="0" marR="0" lvl="0" indent="0" algn="l" rtl="0">
-                        <a:lnSpc>
-                          <a:spcPct val="100000"/>
-                        </a:lnSpc>
-                        <a:spcBef>
-                          <a:spcPts val="0"/>
-                        </a:spcBef>
-                        <a:spcAft>
-                          <a:spcPts val="0"/>
-                        </a:spcAft>
-                        <a:buClr>
-                          <a:schemeClr val="dk1"/>
-                        </a:buClr>
-                        <a:buSzPts val="1000"/>
-                        <a:buFont typeface="Malgun Gothic"/>
-                        <a:buNone/>
-                      </a:pPr>
-                      <a:endParaRPr sz="1000" b="0" u="none" strike="noStrike" cap="none"/>
-                    </a:p>
-                    <a:p>
-                      <a:pPr marL="0" marR="0" lvl="0" indent="0" algn="l" rtl="0">
-                        <a:spcBef>
-                          <a:spcPts val="0"/>
-                        </a:spcBef>
-                        <a:spcAft>
-                          <a:spcPts val="0"/>
-                        </a:spcAft>
-                        <a:buNone/>
-                      </a:pPr>
-                      <a:r>
-                        <a:rPr lang="ko-KR" sz="1000" b="0" u="none" strike="noStrike" cap="none"/>
-                        <a:t>항공편</a:t>
-                      </a:r>
-                      <a:endParaRPr sz="1000" b="0" u="none" strike="noStrike" cap="none"/>
-                    </a:p>
-                    <a:p>
-                      <a:pPr marL="0" marR="0" lvl="0" indent="0" algn="l" rtl="0">
-                        <a:spcBef>
-                          <a:spcPts val="0"/>
-                        </a:spcBef>
-                        <a:spcAft>
-                          <a:spcPts val="0"/>
-                        </a:spcAft>
-                        <a:buNone/>
-                      </a:pPr>
-                      <a:r>
-                        <a:rPr lang="ko-KR" sz="1000" b="0" u="none" strike="noStrike" cap="none"/>
-                        <a:t>항공사</a:t>
-                      </a:r>
-                      <a:endParaRPr sz="1000" b="0" u="none" strike="noStrike" cap="none"/>
-                    </a:p>
-                    <a:p>
-                      <a:pPr marL="0" marR="0" lvl="0" indent="0" algn="l" rtl="0">
-                        <a:spcBef>
-                          <a:spcPts val="0"/>
-                        </a:spcBef>
-                        <a:spcAft>
-                          <a:spcPts val="0"/>
-                        </a:spcAft>
-                        <a:buNone/>
-                      </a:pPr>
-                      <a:r>
-                        <a:rPr lang="ko-KR" sz="1000" b="0" u="none" strike="noStrike" cap="none"/>
-                        <a:t>출발도시</a:t>
-                      </a:r>
-                      <a:endParaRPr sz="1000" b="0" u="none" strike="noStrike" cap="none"/>
-                    </a:p>
-                    <a:p>
-                      <a:pPr marL="0" marR="0" lvl="0" indent="0" algn="l" rtl="0">
-                        <a:spcBef>
-                          <a:spcPts val="0"/>
-                        </a:spcBef>
-                        <a:spcAft>
-                          <a:spcPts val="0"/>
-                        </a:spcAft>
-                        <a:buNone/>
-                      </a:pPr>
-                      <a:r>
-                        <a:rPr lang="ko-KR" sz="1000" b="0" u="none" strike="noStrike" cap="none"/>
-                        <a:t>도착도시</a:t>
-                      </a:r>
-                      <a:endParaRPr sz="1000" b="0" u="none" strike="noStrike" cap="none"/>
-                    </a:p>
-                    <a:p>
-                      <a:pPr marL="0" marR="0" lvl="0" indent="0" algn="l" rtl="0">
-                        <a:spcBef>
-                          <a:spcPts val="0"/>
-                        </a:spcBef>
-                        <a:spcAft>
-                          <a:spcPts val="0"/>
-                        </a:spcAft>
-                        <a:buNone/>
-                      </a:pPr>
-                      <a:r>
-                        <a:rPr lang="ko-KR" sz="1000" b="0" u="none" strike="noStrike" cap="none"/>
-                        <a:t>출발날짜</a:t>
-                      </a:r>
-                      <a:endParaRPr sz="1000" b="0" u="none" strike="noStrike" cap="none"/>
-                    </a:p>
-                    <a:p>
-                      <a:pPr marL="0" marR="0" lvl="0" indent="0" algn="l" rtl="0">
-                        <a:spcBef>
-                          <a:spcPts val="0"/>
-                        </a:spcBef>
-                        <a:spcAft>
-                          <a:spcPts val="0"/>
-                        </a:spcAft>
-                        <a:buNone/>
-                      </a:pPr>
-                      <a:r>
-                        <a:rPr lang="ko-KR" sz="1000" b="0" u="none" strike="noStrike" cap="none"/>
-                        <a:t>도착날짜</a:t>
-                      </a:r>
-                      <a:endParaRPr sz="1000" b="0" u="none" strike="noStrike" cap="none"/>
-                    </a:p>
-                    <a:p>
-                      <a:pPr marL="0" marR="0" lvl="0" indent="0" algn="l" rtl="0">
-                        <a:spcBef>
-                          <a:spcPts val="0"/>
-                        </a:spcBef>
-                        <a:spcAft>
-                          <a:spcPts val="0"/>
-                        </a:spcAft>
-                        <a:buNone/>
-                      </a:pPr>
-                      <a:r>
-                        <a:rPr lang="ko-KR" sz="1000" b="0" u="none" strike="noStrike" cap="none"/>
-                        <a:t>출발시간</a:t>
-                      </a:r>
-                      <a:endParaRPr sz="1000" b="0" u="none" strike="noStrike" cap="none"/>
-                    </a:p>
-                    <a:p>
-                      <a:pPr marL="0" marR="0" lvl="0" indent="0" algn="l" rtl="0">
-                        <a:spcBef>
-                          <a:spcPts val="0"/>
-                        </a:spcBef>
-                        <a:spcAft>
-                          <a:spcPts val="0"/>
-                        </a:spcAft>
-                        <a:buNone/>
-                      </a:pPr>
-                      <a:r>
-                        <a:rPr lang="ko-KR" sz="1000" b="0" u="none" strike="noStrike" cap="none"/>
-                        <a:t>도착시간</a:t>
-                      </a:r>
-                      <a:endParaRPr sz="1000" b="0" u="none" strike="noStrike" cap="none"/>
-                    </a:p>
-                    <a:p>
-                      <a:pPr marL="0" marR="0" lvl="0" indent="0" algn="l" rtl="0">
-                        <a:spcBef>
-                          <a:spcPts val="0"/>
-                        </a:spcBef>
-                        <a:spcAft>
-                          <a:spcPts val="0"/>
-                        </a:spcAft>
-                        <a:buNone/>
-                      </a:pPr>
-                      <a:endParaRPr sz="1000" b="0" u="none" strike="noStrike" cap="none"/>
-                    </a:p>
-                    <a:p>
-                      <a:pPr marL="0" marR="0" lvl="0" indent="0" algn="l" rtl="0">
-                        <a:spcBef>
-                          <a:spcPts val="0"/>
-                        </a:spcBef>
-                        <a:spcAft>
-                          <a:spcPts val="0"/>
-                        </a:spcAft>
-                        <a:buNone/>
-                      </a:pPr>
-                      <a:r>
-                        <a:rPr lang="ko-KR" sz="1000" b="0" u="none" strike="noStrike" cap="none"/>
-                        <a:t>좌석코드</a:t>
-                      </a:r>
-                      <a:endParaRPr sz="1000" b="0" u="none" strike="noStrike" cap="none"/>
-                    </a:p>
-                    <a:p>
-                      <a:pPr marL="0" marR="0" lvl="0" indent="0" algn="l" rtl="0">
-                        <a:spcBef>
-                          <a:spcPts val="0"/>
-                        </a:spcBef>
-                        <a:spcAft>
-                          <a:spcPts val="0"/>
-                        </a:spcAft>
-                        <a:buNone/>
-                      </a:pPr>
-                      <a:r>
-                        <a:rPr lang="ko-KR" sz="1000" b="0" u="none" strike="noStrike" cap="none"/>
-                        <a:t>좌석타입</a:t>
-                      </a:r>
-                      <a:endParaRPr sz="1000" b="0" u="none" strike="noStrike" cap="none"/>
-                    </a:p>
-                    <a:p>
-                      <a:pPr marL="0" marR="0" lvl="0" indent="0" algn="l" rtl="0">
-                        <a:spcBef>
-                          <a:spcPts val="0"/>
-                        </a:spcBef>
-                        <a:spcAft>
-                          <a:spcPts val="0"/>
-                        </a:spcAft>
-                        <a:buNone/>
-                      </a:pPr>
-                      <a:r>
-                        <a:rPr lang="ko-KR" sz="1000" b="0" u="none" strike="noStrike" cap="none"/>
-                        <a:t>가격</a:t>
-                      </a:r>
-                      <a:endParaRPr sz="1000" b="0" u="none" strike="noStrike" cap="none"/>
-                    </a:p>
-                    <a:p>
-                      <a:pPr marL="0" marR="0" lvl="0" indent="0" algn="l" rtl="0">
-                        <a:spcBef>
-                          <a:spcPts val="0"/>
-                        </a:spcBef>
-                        <a:spcAft>
-                          <a:spcPts val="0"/>
-                        </a:spcAft>
-                        <a:buNone/>
-                      </a:pPr>
-                      <a:r>
-                        <a:rPr lang="ko-KR" sz="1000" b="0" u="none" strike="noStrike" cap="none"/>
-                        <a:t>좌석번호</a:t>
-                      </a:r>
-                      <a:endParaRPr sz="1000" b="0" u="none" strike="noStrike" cap="none"/>
-                    </a:p>
-                  </a:txBody>
-                  <a:tcPr marL="91450" marR="91450" marT="45725" marB="45725"/>
-                </a:tc>
-              </a:tr>
-            </a:tbl>
-          </a:graphicData>
-        </a:graphic>
-      </p:graphicFrame>
-      <p:graphicFrame>
-        <p:nvGraphicFramePr>
-          <p:cNvPr id="228" name="Google Shape;228;p16"/>
-          <p:cNvGraphicFramePr/>
-          <p:nvPr/>
-        </p:nvGraphicFramePr>
-        <p:xfrm>
-          <a:off x="6069970" y="3800247"/>
-          <a:ext cx="1458325" cy="1737400"/>
-        </p:xfrm>
-        <a:graphic>
-          <a:graphicData uri="http://schemas.openxmlformats.org/drawingml/2006/table">
-            <a:tbl>
-              <a:tblPr firstRow="1" bandRow="1">
-                <a:noFill/>
-                <a:tableStyleId>{5E242488-F3AB-4D78-95C9-D24BE66AF8A3}</a:tableStyleId>
-              </a:tblPr>
-              <a:tblGrid>
-                <a:gridCol w="1458325"/>
-              </a:tblGrid>
-              <a:tr h="127000">
-                <a:tc>
-                  <a:txBody>
-                    <a:bodyPr/>
-                    <a:lstStyle/>
-                    <a:p>
-                      <a:pPr marL="0" marR="0" lvl="0" indent="0" algn="l" rtl="0">
-                        <a:spcBef>
-                          <a:spcPts val="0"/>
-                        </a:spcBef>
-                        <a:spcAft>
-                          <a:spcPts val="0"/>
-                        </a:spcAft>
-                        <a:buNone/>
-                      </a:pPr>
-                      <a:r>
-                        <a:rPr lang="ko-KR" sz="1000" b="0"/>
-                        <a:t>방</a:t>
-                      </a:r>
-                      <a:endParaRPr sz="1000" b="0" u="none" strike="noStrike" cap="none"/>
-                    </a:p>
-                  </a:txBody>
-                  <a:tcPr marL="91450" marR="91450" marT="45725" marB="45725"/>
-                </a:tc>
-              </a:tr>
-              <a:tr h="127000">
-                <a:tc>
-                  <a:txBody>
-                    <a:bodyPr/>
-                    <a:lstStyle/>
-                    <a:p>
-                      <a:pPr marL="0" marR="0" lvl="0" indent="0" algn="l" rtl="0">
-                        <a:lnSpc>
-                          <a:spcPct val="100000"/>
-                        </a:lnSpc>
-                        <a:spcBef>
-                          <a:spcPts val="0"/>
-                        </a:spcBef>
-                        <a:spcAft>
-                          <a:spcPts val="0"/>
-                        </a:spcAft>
-                        <a:buClr>
-                          <a:schemeClr val="dk1"/>
-                        </a:buClr>
-                        <a:buSzPts val="1000"/>
-                        <a:buFont typeface="Malgun Gothic"/>
-                        <a:buNone/>
-                      </a:pPr>
-                      <a:r>
-                        <a:rPr lang="ko-KR" sz="1000" b="0" u="none" strike="noStrike" cap="none"/>
-                        <a:t>#</a:t>
-                      </a:r>
-                      <a:r>
-                        <a:rPr lang="ko-KR" sz="1000"/>
-                        <a:t>방번호</a:t>
-                      </a:r>
-                      <a:r>
-                        <a:rPr lang="ko-KR" sz="1000" b="0" u="none" strike="noStrike" cap="none"/>
-                        <a:t>(PK)</a:t>
-                      </a:r>
-                      <a:endParaRPr/>
-                    </a:p>
-                  </a:txBody>
-                  <a:tcPr marL="91450" marR="91450" marT="45725" marB="45725"/>
-                </a:tc>
-              </a:tr>
-              <a:tr h="127000">
-                <a:tc>
-                  <a:txBody>
-                    <a:bodyPr/>
-                    <a:lstStyle/>
-                    <a:p>
-                      <a:pPr marL="0" marR="0" lvl="0" indent="0" algn="l" rtl="0">
-                        <a:lnSpc>
-                          <a:spcPct val="100000"/>
-                        </a:lnSpc>
-                        <a:spcBef>
-                          <a:spcPts val="0"/>
-                        </a:spcBef>
-                        <a:spcAft>
-                          <a:spcPts val="0"/>
-                        </a:spcAft>
-                        <a:buClr>
-                          <a:schemeClr val="dk1"/>
-                        </a:buClr>
-                        <a:buSzPts val="1000"/>
-                        <a:buFont typeface="Malgun Gothic"/>
-                        <a:buNone/>
-                      </a:pPr>
-                      <a:r>
-                        <a:rPr lang="ko-KR" sz="1000"/>
-                        <a:t>방이름</a:t>
-                      </a:r>
-                      <a:endParaRPr sz="1000"/>
-                    </a:p>
-                    <a:p>
-                      <a:pPr marL="0" marR="0" lvl="0" indent="0" algn="l" rtl="0">
-                        <a:lnSpc>
-                          <a:spcPct val="100000"/>
-                        </a:lnSpc>
-                        <a:spcBef>
-                          <a:spcPts val="0"/>
-                        </a:spcBef>
-                        <a:spcAft>
-                          <a:spcPts val="0"/>
-                        </a:spcAft>
-                        <a:buClr>
-                          <a:schemeClr val="dk1"/>
-                        </a:buClr>
-                        <a:buSzPts val="1000"/>
-                        <a:buFont typeface="Malgun Gothic"/>
-                        <a:buNone/>
-                      </a:pPr>
-                      <a:r>
-                        <a:rPr lang="ko-KR" sz="1000"/>
-                        <a:t>가격</a:t>
-                      </a:r>
-                      <a:endParaRPr sz="1000"/>
-                    </a:p>
-                    <a:p>
-                      <a:pPr marL="0" marR="0" lvl="0" indent="0" algn="l" rtl="0">
-                        <a:lnSpc>
-                          <a:spcPct val="100000"/>
-                        </a:lnSpc>
-                        <a:spcBef>
-                          <a:spcPts val="0"/>
-                        </a:spcBef>
-                        <a:spcAft>
-                          <a:spcPts val="0"/>
-                        </a:spcAft>
-                        <a:buClr>
-                          <a:schemeClr val="dk1"/>
-                        </a:buClr>
-                        <a:buSzPts val="1000"/>
-                        <a:buFont typeface="Malgun Gothic"/>
-                        <a:buNone/>
-                      </a:pPr>
-                      <a:r>
-                        <a:rPr lang="ko-KR" sz="1000"/>
-                        <a:t>숙소</a:t>
-                      </a:r>
-                      <a:endParaRPr sz="1000"/>
-                    </a:p>
-                    <a:p>
-                      <a:pPr marL="0" lvl="0" indent="0" algn="l" rtl="0">
-                        <a:spcBef>
-                          <a:spcPts val="0"/>
-                        </a:spcBef>
-                        <a:spcAft>
-                          <a:spcPts val="0"/>
-                        </a:spcAft>
-                        <a:buClr>
-                          <a:schemeClr val="dk1"/>
-                        </a:buClr>
-                        <a:buFont typeface="Arial"/>
-                        <a:buNone/>
-                      </a:pPr>
-                      <a:r>
-                        <a:rPr lang="ko-KR" sz="1000"/>
-                        <a:t>시설</a:t>
-                      </a:r>
-                      <a:endParaRPr sz="1000"/>
-                    </a:p>
-                    <a:p>
-                      <a:pPr marL="0" lvl="0" indent="0" algn="l" rtl="0">
-                        <a:spcBef>
-                          <a:spcPts val="0"/>
-                        </a:spcBef>
-                        <a:spcAft>
-                          <a:spcPts val="0"/>
-                        </a:spcAft>
-                        <a:buClr>
-                          <a:schemeClr val="dk1"/>
-                        </a:buClr>
-                        <a:buFont typeface="Arial"/>
-                        <a:buNone/>
-                      </a:pPr>
-                      <a:r>
-                        <a:rPr lang="ko-KR" sz="1000"/>
-                        <a:t>이미지</a:t>
-                      </a:r>
-                      <a:endParaRPr sz="1000"/>
-                    </a:p>
-                    <a:p>
-                      <a:pPr marL="0" marR="0" lvl="0" indent="0" algn="l" rtl="0">
-                        <a:lnSpc>
-                          <a:spcPct val="100000"/>
-                        </a:lnSpc>
-                        <a:spcBef>
-                          <a:spcPts val="0"/>
-                        </a:spcBef>
-                        <a:spcAft>
-                          <a:spcPts val="0"/>
-                        </a:spcAft>
-                        <a:buClr>
-                          <a:schemeClr val="dk1"/>
-                        </a:buClr>
-                        <a:buSzPts val="1000"/>
-                        <a:buFont typeface="Malgun Gothic"/>
-                        <a:buNone/>
-                      </a:pPr>
-                      <a:r>
-                        <a:rPr lang="ko-KR" sz="1000" b="0" u="none" strike="noStrike" cap="none"/>
-                        <a:t>예약여부(Y/N)</a:t>
-                      </a:r>
-                      <a:endParaRPr/>
-                    </a:p>
-                  </a:txBody>
-                  <a:tcPr marL="91450" marR="91450" marT="45725" marB="45725"/>
-                </a:tc>
-              </a:tr>
-              <a:tr h="127000">
-                <a:tc>
-                  <a:txBody>
-                    <a:bodyPr/>
-                    <a:lstStyle/>
-                    <a:p>
-                      <a:pPr marL="0" marR="0" lvl="0" indent="0" algn="l" rtl="0">
-                        <a:lnSpc>
-                          <a:spcPct val="100000"/>
-                        </a:lnSpc>
-                        <a:spcBef>
-                          <a:spcPts val="0"/>
-                        </a:spcBef>
-                        <a:spcAft>
-                          <a:spcPts val="0"/>
-                        </a:spcAft>
-                        <a:buClr>
-                          <a:schemeClr val="dk1"/>
-                        </a:buClr>
-                        <a:buSzPts val="1000"/>
-                        <a:buFont typeface="Malgun Gothic"/>
-                        <a:buNone/>
-                      </a:pPr>
-                      <a:r>
-                        <a:rPr lang="ko-KR" sz="1000" b="0" u="none" strike="noStrike" cap="none"/>
-                        <a:t>항공편(FK)</a:t>
-                      </a:r>
-                      <a:endParaRPr/>
-                    </a:p>
-                  </a:txBody>
-                  <a:tcPr marL="91450" marR="91450" marT="45725" marB="45725"/>
-                </a:tc>
-              </a:tr>
-            </a:tbl>
-          </a:graphicData>
-        </a:graphic>
-      </p:graphicFrame>
-      <p:graphicFrame>
-        <p:nvGraphicFramePr>
-          <p:cNvPr id="229" name="Google Shape;229;p16"/>
-          <p:cNvGraphicFramePr/>
-          <p:nvPr/>
-        </p:nvGraphicFramePr>
-        <p:xfrm>
-          <a:off x="8167758" y="2560297"/>
-          <a:ext cx="1681300" cy="1737400"/>
+          <a:off x="7766144" y="3650809"/>
+          <a:ext cx="1681300" cy="1280200"/>
         </p:xfrm>
         <a:graphic>
           <a:graphicData uri="http://schemas.openxmlformats.org/drawingml/2006/table">
@@ -25073,10 +24789,10 @@
                         <a:buNone/>
                       </a:pPr>
                       <a:r>
-                        <a:rPr lang="ko-KR" sz="1000" b="0"/>
+                        <a:rPr lang="ko-KR" sz="1000" b="0" dirty="0"/>
                         <a:t>이미지</a:t>
                       </a:r>
-                      <a:endParaRPr sz="1000" b="0" u="none" strike="noStrike" cap="none"/>
+                      <a:endParaRPr sz="1000" b="0" u="none" strike="noStrike" cap="none" dirty="0"/>
                     </a:p>
                   </a:txBody>
                   <a:tcPr marL="91450" marR="91450" marT="45725" marB="45725"/>
@@ -25106,18 +24822,14 @@
                         <a:buNone/>
                       </a:pPr>
                       <a:r>
-                        <a:rPr lang="ko-KR" sz="1000" b="0" u="none" strike="noStrike" cap="none"/>
-                        <a:t>#</a:t>
-                      </a:r>
-                      <a:r>
-                        <a:rPr lang="ko-KR" sz="1000"/>
-                        <a:t>방번호</a:t>
-                      </a:r>
-                      <a:r>
-                        <a:rPr lang="ko-KR" sz="1000" b="0" u="none" strike="noStrike" cap="none"/>
+                        <a:rPr lang="ko-KR" altLang="en-US" sz="1000" b="0" u="none" strike="noStrike" cap="none" dirty="0" smtClean="0"/>
+                        <a:t>이미지코드</a:t>
+                      </a:r>
+                      <a:r>
+                        <a:rPr lang="en-US" altLang="ko-KR" sz="1000" b="0" u="none" strike="noStrike" cap="none" dirty="0" smtClean="0"/>
                         <a:t>(PK)</a:t>
                       </a:r>
-                      <a:endParaRPr/>
+                      <a:endParaRPr dirty="0"/>
                     </a:p>
                   </a:txBody>
                   <a:tcPr marL="91450" marR="91450" marT="45725" marB="45725"/>
@@ -25147,13 +24859,17 @@
                         <a:buNone/>
                       </a:pPr>
                       <a:r>
-                        <a:rPr lang="ko-KR" sz="1000"/>
-                        <a:t>방이름</a:t>
-                      </a:r>
-                      <a:endParaRPr sz="1000"/>
-                    </a:p>
-                    <a:p>
-                      <a:pPr marL="0" marR="0" lvl="0" indent="0" algn="l" rtl="0">
+                        <a:rPr lang="ko-KR" sz="1000" dirty="0" smtClean="0"/>
+                        <a:t>이미지</a:t>
+                      </a:r>
+                      <a:r>
+                        <a:rPr lang="ko-KR" altLang="en-US" sz="1000" dirty="0" smtClean="0"/>
+                        <a:t>주소</a:t>
+                      </a:r>
+                      <a:endParaRPr lang="en-US" altLang="ko-KR" sz="1000" dirty="0" smtClean="0"/>
+                    </a:p>
+                    <a:p>
+                      <a:pPr marL="0" marR="0" lvl="0" indent="0" algn="l" defTabSz="914400" rtl="0" eaLnBrk="1" fontAlgn="auto" latinLnBrk="0" hangingPunct="1">
                         <a:lnSpc>
                           <a:spcPct val="100000"/>
                         </a:lnSpc>
@@ -25169,13 +24885,52 @@
                         <a:buSzPts val="1000"/>
                         <a:buFont typeface="Malgun Gothic"/>
                         <a:buNone/>
-                      </a:pPr>
-                      <a:r>
-                        <a:rPr lang="ko-KR" sz="1000"/>
-                        <a:t>가격</a:t>
-                      </a:r>
-                      <a:endParaRPr sz="1000"/>
-                    </a:p>
+                        <a:tabLst/>
+                        <a:defRPr/>
+                      </a:pPr>
+                      <a:r>
+                        <a:rPr lang="ko-KR" altLang="en-US" sz="1000" dirty="0" smtClean="0"/>
+                        <a:t>호텔</a:t>
+                      </a:r>
+                      <a:r>
+                        <a:rPr lang="en-US" altLang="ko-KR" sz="1000" dirty="0" smtClean="0"/>
+                        <a:t>_</a:t>
+                      </a:r>
+                      <a:r>
+                        <a:rPr lang="ko-KR" altLang="en-US" sz="1000" dirty="0" err="1" smtClean="0"/>
+                        <a:t>방확인</a:t>
+                      </a:r>
+                      <a:r>
+                        <a:rPr lang="en-US" altLang="ko-KR" sz="1000" b="0" u="none" strike="noStrike" cap="none" dirty="0" smtClean="0"/>
+                        <a:t>(</a:t>
+                      </a:r>
+                      <a:r>
+                        <a:rPr lang="en-US" altLang="ko-KR" sz="1000" dirty="0" smtClean="0"/>
+                        <a:t>hotel</a:t>
+                      </a:r>
+                      <a:r>
+                        <a:rPr lang="en-US" altLang="ko-KR" sz="1000" b="0" u="none" strike="noStrike" cap="none" dirty="0" smtClean="0"/>
+                        <a:t>/</a:t>
+                      </a:r>
+                      <a:r>
+                        <a:rPr lang="en-US" altLang="ko-KR" sz="1000" dirty="0" smtClean="0"/>
+                        <a:t>room</a:t>
+                      </a:r>
+                      <a:r>
+                        <a:rPr lang="en-US" altLang="ko-KR" sz="1000" b="0" u="none" strike="noStrike" cap="none" dirty="0" smtClean="0"/>
+                        <a:t>)</a:t>
+                      </a:r>
+                      <a:endParaRPr lang="en-US" altLang="ko-KR" sz="1000" dirty="0" smtClean="0"/>
+                    </a:p>
+                  </a:txBody>
+                  <a:tcPr marL="91450" marR="91450" marT="45725" marB="45725"/>
+                </a:tc>
+              </a:tr>
+              <a:tr h="127000">
+                <a:tc>
+                  <a:txBody>
+                    <a:bodyPr/>
+                    <a:lstStyle/>
                     <a:p>
                       <a:pPr marL="0" marR="0" lvl="0" indent="0" algn="l" rtl="0">
                         <a:lnSpc>
@@ -25195,53 +24950,17 @@
                         <a:buNone/>
                       </a:pPr>
                       <a:r>
-                        <a:rPr lang="ko-KR" sz="1000"/>
-                        <a:t>숙소</a:t>
-                      </a:r>
-                      <a:endParaRPr sz="1000"/>
-                    </a:p>
-                    <a:p>
-                      <a:pPr marL="0" lvl="0" indent="0" algn="l" rtl="0">
-                        <a:spcBef>
-                          <a:spcPts val="0"/>
-                        </a:spcBef>
-                        <a:spcAft>
-                          <a:spcPts val="0"/>
-                        </a:spcAft>
-                        <a:buClr>
-                          <a:schemeClr val="dk1"/>
-                        </a:buClr>
-                        <a:buFont typeface="Arial"/>
-                        <a:buNone/>
-                      </a:pPr>
-                      <a:r>
-                        <a:rPr lang="ko-KR" sz="1000"/>
-                        <a:t>시설</a:t>
-                      </a:r>
-                      <a:endParaRPr sz="1000"/>
-                    </a:p>
-                    <a:p>
-                      <a:pPr marL="0" lvl="0" indent="0" algn="l" rtl="0">
-                        <a:spcBef>
-                          <a:spcPts val="0"/>
-                        </a:spcBef>
-                        <a:spcAft>
-                          <a:spcPts val="0"/>
-                        </a:spcAft>
-                        <a:buClr>
-                          <a:schemeClr val="dk1"/>
-                        </a:buClr>
-                        <a:buFont typeface="Arial"/>
-                        <a:buNone/>
-                      </a:pPr>
-                      <a:r>
-                        <a:rPr lang="ko-KR" sz="1000"/>
-                        <a:t>이미지</a:t>
-                      </a:r>
-                      <a:endParaRPr sz="1000"/>
-                    </a:p>
-                    <a:p>
-                      <a:pPr marL="0" marR="0" lvl="0" indent="0" algn="l" rtl="0">
+                        <a:rPr lang="ko-KR" altLang="en-US" sz="1000" b="0" u="none" strike="noStrike" cap="none" dirty="0" err="1" smtClean="0"/>
+                        <a:t>룸타입</a:t>
+                      </a:r>
+                      <a:r>
+                        <a:rPr lang="ko-KR" sz="1000" b="0" u="none" strike="noStrike" cap="none" dirty="0" smtClean="0"/>
+                        <a:t>(FK)</a:t>
+                      </a:r>
+                      <a:endParaRPr lang="en-US" altLang="ko-KR" sz="1000" b="0" u="none" strike="noStrike" cap="none" dirty="0" smtClean="0"/>
+                    </a:p>
+                    <a:p>
+                      <a:pPr marL="0" marR="0" lvl="0" indent="0" algn="l" defTabSz="914400" rtl="0" eaLnBrk="1" fontAlgn="auto" latinLnBrk="0" hangingPunct="1">
                         <a:lnSpc>
                           <a:spcPct val="100000"/>
                         </a:lnSpc>
@@ -25257,65 +24976,18 @@
                         <a:buSzPts val="1000"/>
                         <a:buFont typeface="Malgun Gothic"/>
                         <a:buNone/>
-                      </a:pPr>
-                      <a:r>
-                        <a:rPr lang="ko-KR" sz="1000"/>
-                        <a:t>호텔_방확인</a:t>
-                      </a:r>
-                      <a:r>
-                        <a:rPr lang="ko-KR" sz="1000" b="0" u="none" strike="noStrike" cap="none"/>
-                        <a:t>(</a:t>
-                      </a:r>
-                      <a:r>
-                        <a:rPr lang="ko-KR" sz="1000"/>
-                        <a:t>hotel</a:t>
-                      </a:r>
-                      <a:r>
-                        <a:rPr lang="ko-KR" sz="1000" b="0" u="none" strike="noStrike" cap="none"/>
-                        <a:t>/</a:t>
-                      </a:r>
-                      <a:r>
-                        <a:rPr lang="ko-KR" sz="1000"/>
-                        <a:t>room</a:t>
-                      </a:r>
-                      <a:r>
-                        <a:rPr lang="ko-KR" sz="1000" b="0" u="none" strike="noStrike" cap="none"/>
-                        <a:t>)</a:t>
-                      </a:r>
-                      <a:endParaRPr/>
-                    </a:p>
-                  </a:txBody>
-                  <a:tcPr marL="91450" marR="91450" marT="45725" marB="45725"/>
-                </a:tc>
-              </a:tr>
-              <a:tr h="127000">
-                <a:tc>
-                  <a:txBody>
-                    <a:bodyPr/>
-                    <a:lstStyle/>
-                    <a:p>
-                      <a:pPr marL="0" marR="0" lvl="0" indent="0" algn="l" rtl="0">
-                        <a:lnSpc>
-                          <a:spcPct val="100000"/>
-                        </a:lnSpc>
-                        <a:spcBef>
-                          <a:spcPts val="0"/>
-                        </a:spcBef>
-                        <a:spcAft>
-                          <a:spcPts val="0"/>
-                        </a:spcAft>
-                        <a:buClr>
-                          <a:schemeClr val="dk1"/>
-                        </a:buClr>
-                        <a:buSzPts val="1000"/>
-                        <a:buFont typeface="Malgun Gothic"/>
-                        <a:buNone/>
-                      </a:pPr>
-                      <a:r>
-                        <a:rPr lang="ko-KR" sz="1000" b="0" u="none" strike="noStrike" cap="none"/>
-                        <a:t>항공편(FK)</a:t>
-                      </a:r>
-                      <a:endParaRPr/>
+                        <a:tabLst/>
+                        <a:defRPr/>
+                      </a:pPr>
+                      <a:r>
+                        <a:rPr lang="ko-KR" altLang="en-US" sz="1000" b="0" u="none" strike="noStrike" cap="none" dirty="0" smtClean="0"/>
+                        <a:t>호텔코드</a:t>
+                      </a:r>
+                      <a:r>
+                        <a:rPr lang="ko-KR" altLang="ko-KR" sz="1000" b="0" u="none" strike="noStrike" cap="none" dirty="0" smtClean="0"/>
+                        <a:t>(FK)</a:t>
+                      </a:r>
+                      <a:endParaRPr lang="en-US" altLang="ko-KR" sz="1000" b="0" u="none" strike="noStrike" cap="none" dirty="0" smtClean="0"/>
                     </a:p>
                   </a:txBody>
                   <a:tcPr marL="91450" marR="91450" marT="45725" marB="45725"/>
@@ -25325,6 +24997,33 @@
           </a:graphicData>
         </a:graphic>
       </p:graphicFrame>
+      <p:pic>
+        <p:nvPicPr>
+          <p:cNvPr id="49" name="Google Shape;222;p16"/>
+          <p:cNvPicPr preferRelativeResize="0"/>
+          <p:nvPr/>
+        </p:nvPicPr>
+        <p:blipFill rotWithShape="1">
+          <a:blip r:embed="rId3">
+            <a:alphaModFix/>
+          </a:blip>
+          <a:srcRect/>
+          <a:stretch/>
+        </p:blipFill>
+        <p:spPr>
+          <a:xfrm rot="10800000">
+            <a:off x="6882716" y="4322142"/>
+            <a:ext cx="816935" cy="207282"/>
+          </a:xfrm>
+          <a:prstGeom prst="rect">
+            <a:avLst/>
+          </a:prstGeom>
+          <a:noFill/>
+          <a:ln>
+            <a:noFill/>
+          </a:ln>
+        </p:spPr>
+      </p:pic>
     </p:spTree>
   </p:cSld>
   <p:clrMapOvr>

--- a/UML/ERD.pptx
+++ b/UML/ERD.pptx
@@ -28177,7 +28177,7 @@
         </p:nvGraphicFramePr>
         <p:xfrm>
           <a:off x="136292" y="615052"/>
-          <a:ext cx="3000000" cy="3000000"/>
+          <a:ext cx="11215675" cy="2595950"/>
         </p:xfrm>
         <a:graphic>
           <a:graphicData uri="http://schemas.openxmlformats.org/drawingml/2006/table">
@@ -29509,7 +29509,7 @@
         </p:nvGraphicFramePr>
         <p:xfrm>
           <a:off x="234176" y="3744341"/>
-          <a:ext cx="3000000" cy="3000000"/>
+          <a:ext cx="1458325" cy="1320125"/>
         </p:xfrm>
         <a:graphic>
           <a:graphicData uri="http://schemas.openxmlformats.org/drawingml/2006/table">
@@ -29728,7 +29728,7 @@
         </p:nvGraphicFramePr>
         <p:xfrm>
           <a:off x="136292" y="615052"/>
-          <a:ext cx="3000000" cy="3000000"/>
+          <a:ext cx="11215675" cy="3337650"/>
         </p:xfrm>
         <a:graphic>
           <a:graphicData uri="http://schemas.openxmlformats.org/drawingml/2006/table">
@@ -31416,7 +31416,7 @@
         </p:nvGraphicFramePr>
         <p:xfrm>
           <a:off x="234176" y="4433717"/>
-          <a:ext cx="3000000" cy="3000000"/>
+          <a:ext cx="1458325" cy="1645950"/>
         </p:xfrm>
         <a:graphic>
           <a:graphicData uri="http://schemas.openxmlformats.org/drawingml/2006/table">
@@ -31644,7 +31644,7 @@
         </p:nvGraphicFramePr>
         <p:xfrm>
           <a:off x="136292" y="615052"/>
-          <a:ext cx="3000000" cy="3000000"/>
+          <a:ext cx="11215675" cy="2595950"/>
         </p:xfrm>
         <a:graphic>
           <a:graphicData uri="http://schemas.openxmlformats.org/drawingml/2006/table">
@@ -32992,7 +32992,7 @@
         </p:nvGraphicFramePr>
         <p:xfrm>
           <a:off x="234176" y="4090257"/>
-          <a:ext cx="3000000" cy="3000000"/>
+          <a:ext cx="1458325" cy="1432600"/>
         </p:xfrm>
         <a:graphic>
           <a:graphicData uri="http://schemas.openxmlformats.org/drawingml/2006/table">
@@ -33217,11 +33217,17 @@
         <p:nvGraphicFramePr>
           <p:cNvPr id="262" name="Google Shape;262;p21"/>
           <p:cNvGraphicFramePr/>
-          <p:nvPr/>
+          <p:nvPr>
+            <p:extLst>
+              <p:ext uri="{D42A27DB-BD31-4B8C-83A1-F6EECF244321}">
+                <p14:modId xmlns:p14="http://schemas.microsoft.com/office/powerpoint/2010/main" val="1509450133"/>
+              </p:ext>
+            </p:extLst>
+          </p:nvPr>
         </p:nvGraphicFramePr>
         <p:xfrm>
           <a:off x="136292" y="615052"/>
-          <a:ext cx="3000000" cy="3000000"/>
+          <a:ext cx="11215675" cy="3708500"/>
         </p:xfrm>
         <a:graphic>
           <a:graphicData uri="http://schemas.openxmlformats.org/drawingml/2006/table">
@@ -33256,10 +33262,10 @@
                         <a:buNone/>
                       </a:pPr>
                       <a:r>
-                        <a:rPr lang="ko-KR" sz="1800" b="1"/>
+                        <a:rPr lang="ko-KR" sz="1800" b="1" dirty="0"/>
                         <a:t>NO.</a:t>
                       </a:r>
-                      <a:endParaRPr sz="1800" b="0"/>
+                      <a:endParaRPr sz="1800" b="0" dirty="0"/>
                     </a:p>
                   </a:txBody>
                   <a:tcPr marL="91450" marR="91450" marT="45725" marB="45725"/>
@@ -33465,10 +33471,10 @@
                         <a:buNone/>
                       </a:pPr>
                       <a:r>
-                        <a:rPr lang="ko-KR" sz="1200" b="0"/>
+                        <a:rPr lang="ko-KR" sz="1200" b="0" dirty="0"/>
                         <a:t>예약코드</a:t>
                       </a:r>
-                      <a:endParaRPr sz="1200" b="0"/>
+                      <a:endParaRPr sz="1200" b="0" dirty="0"/>
                     </a:p>
                   </a:txBody>
                   <a:tcPr marL="91450" marR="91450" marT="45725" marB="45725" anchor="ctr"/>
@@ -33655,10 +33661,10 @@
                         <a:buNone/>
                       </a:pPr>
                       <a:r>
-                        <a:rPr lang="ko-KR" sz="1200" b="0"/>
+                        <a:rPr lang="ko-KR" sz="1200" b="0" dirty="0"/>
                         <a:t>예약자명</a:t>
                       </a:r>
-                      <a:endParaRPr sz="1200" b="0"/>
+                      <a:endParaRPr sz="1200" b="0" dirty="0"/>
                     </a:p>
                   </a:txBody>
                   <a:tcPr marL="91450" marR="91450" marT="45725" marB="45725" anchor="ctr"/>
@@ -33825,10 +33831,10 @@
                         <a:buNone/>
                       </a:pPr>
                       <a:r>
-                        <a:rPr lang="ko-KR" sz="1200" b="0"/>
+                        <a:rPr lang="ko-KR" sz="1200" b="0" dirty="0"/>
                         <a:t>예약날짜</a:t>
                       </a:r>
-                      <a:endParaRPr sz="1200" b="0"/>
+                      <a:endParaRPr sz="1200" b="0" dirty="0"/>
                     </a:p>
                   </a:txBody>
                   <a:tcPr marL="91450" marR="91450" marT="45725" marB="45725" anchor="ctr"/>
@@ -33995,10 +34001,10 @@
                         <a:buNone/>
                       </a:pPr>
                       <a:r>
-                        <a:rPr lang="ko-KR" sz="1200" b="0"/>
+                        <a:rPr lang="ko-KR" sz="1200" b="0" dirty="0"/>
                         <a:t>여권번호</a:t>
                       </a:r>
-                      <a:endParaRPr sz="1200" b="0"/>
+                      <a:endParaRPr sz="1200" b="0" dirty="0"/>
                     </a:p>
                   </a:txBody>
                   <a:tcPr marL="91450" marR="91450" marT="45725" marB="45725" anchor="ctr"/>
@@ -34165,10 +34171,10 @@
                         <a:buNone/>
                       </a:pPr>
                       <a:r>
-                        <a:rPr lang="ko-KR" sz="1200" b="0"/>
+                        <a:rPr lang="ko-KR" sz="1200" b="0" dirty="0"/>
                         <a:t>기타의견</a:t>
                       </a:r>
-                      <a:endParaRPr sz="1200" b="0"/>
+                      <a:endParaRPr sz="1200" b="0" dirty="0"/>
                     </a:p>
                   </a:txBody>
                   <a:tcPr marL="91450" marR="91450" marT="45725" marB="45725" anchor="ctr"/>
@@ -34343,10 +34349,10 @@
                         <a:buNone/>
                       </a:pPr>
                       <a:r>
-                        <a:rPr lang="ko-KR" sz="1200" b="0"/>
+                        <a:rPr lang="ko-KR" sz="1200" b="0" dirty="0"/>
                         <a:t>좌석등급</a:t>
                       </a:r>
-                      <a:endParaRPr sz="1200" b="0"/>
+                      <a:endParaRPr sz="1200" b="0" dirty="0"/>
                     </a:p>
                   </a:txBody>
                   <a:tcPr marL="91450" marR="91450" marT="45725" marB="45725" anchor="ctr"/>
@@ -34513,10 +34519,10 @@
                         <a:buNone/>
                       </a:pPr>
                       <a:r>
-                        <a:rPr lang="ko-KR" sz="1200" b="0"/>
+                        <a:rPr lang="ko-KR" sz="1200" b="0" dirty="0" smtClean="0"/>
                         <a:t>좌석번호</a:t>
                       </a:r>
-                      <a:endParaRPr sz="1200" b="0"/>
+                      <a:endParaRPr sz="1200" b="0" dirty="0"/>
                     </a:p>
                   </a:txBody>
                   <a:tcPr marL="91450" marR="91450" marT="45725" marB="45725" anchor="ctr"/>
@@ -34801,7 +34807,11 @@
                         </a:spcAft>
                         <a:buNone/>
                       </a:pPr>
-                      <a:endParaRPr sz="1200" b="0"/>
+                      <a:r>
+                        <a:rPr lang="en-US" sz="1200" b="0" dirty="0" smtClean="0"/>
+                        <a:t>guest</a:t>
+                      </a:r>
+                      <a:endParaRPr sz="1200" b="0" dirty="0"/>
                     </a:p>
                   </a:txBody>
                   <a:tcPr marL="91450" marR="91450" marT="45725" marB="45725" anchor="ctr"/>
@@ -34888,10 +34898,10 @@
                         <a:buNone/>
                       </a:pPr>
                       <a:r>
-                        <a:rPr lang="ko-KR" sz="1200" b="0"/>
+                        <a:rPr lang="ko-KR" sz="1200" b="0" dirty="0"/>
                         <a:t>flight</a:t>
                       </a:r>
-                      <a:endParaRPr sz="1200" b="0"/>
+                      <a:endParaRPr sz="1200" b="0" dirty="0"/>
                     </a:p>
                   </a:txBody>
                   <a:tcPr marL="91450" marR="91450" marT="45725" marB="45725" anchor="ctr"/>
@@ -35002,7 +35012,7 @@
                         </a:spcAft>
                         <a:buNone/>
                       </a:pPr>
-                      <a:endParaRPr sz="1200" b="0"/>
+                      <a:endParaRPr sz="1200" b="0" dirty="0"/>
                     </a:p>
                   </a:txBody>
                   <a:tcPr marL="91450" marR="91450" marT="45725" marB="45725" anchor="ctr"/>
@@ -35083,7 +35093,7 @@
         </p:nvGraphicFramePr>
         <p:xfrm>
           <a:off x="136292" y="4577967"/>
-          <a:ext cx="3000000" cy="3000000"/>
+          <a:ext cx="1458325" cy="1889800"/>
         </p:xfrm>
         <a:graphic>
           <a:graphicData uri="http://schemas.openxmlformats.org/drawingml/2006/table">

--- a/UML/ERD.pptx
+++ b/UML/ERD.pptx
@@ -17811,7 +17811,6 @@
                         <a:rPr lang="ko-KR" altLang="en-US" sz="1000" b="0" u="none" strike="noStrike" cap="none" dirty="0" smtClean="0"/>
                         <a:t>가입일</a:t>
                       </a:r>
-                      <a:endParaRPr lang="en-US" altLang="ko-KR" sz="1000" b="0" u="none" strike="noStrike" cap="none" dirty="0" smtClean="0"/>
                     </a:p>
                     <a:p>
                       <a:pPr marL="0" marR="0" lvl="0" indent="0" algn="l" rtl="0">
@@ -17885,10 +17884,10 @@
                         <a:buNone/>
                       </a:pPr>
                       <a:r>
-                        <a:rPr lang="ko-KR" sz="1000" b="0" u="none" strike="noStrike" cap="none"/>
+                        <a:rPr lang="ko-KR" sz="1000" b="0" u="none" strike="noStrike" cap="none" dirty="0"/>
                         <a:t>항공편</a:t>
                       </a:r>
-                      <a:endParaRPr sz="1000" b="0" u="none" strike="noStrike" cap="none"/>
+                      <a:endParaRPr sz="1000" b="0" u="none" strike="noStrike" cap="none" dirty="0"/>
                     </a:p>
                   </a:txBody>
                   <a:tcPr marL="91450" marR="91450" marT="45725" marB="45725"/>
@@ -17943,106 +17942,106 @@
                         <a:buNone/>
                       </a:pPr>
                       <a:r>
-                        <a:rPr lang="ko-KR" sz="1000" b="0" u="none" strike="noStrike" cap="none"/>
+                        <a:rPr lang="ko-KR" sz="1000" b="0" u="none" strike="noStrike" cap="none" dirty="0"/>
                         <a:t>항공사</a:t>
                       </a:r>
-                      <a:endParaRPr sz="1000" b="0" u="none" strike="noStrike" cap="none"/>
-                    </a:p>
-                    <a:p>
-                      <a:pPr marL="0" marR="0" lvl="0" indent="0" algn="l" rtl="0">
-                        <a:spcBef>
-                          <a:spcPts val="0"/>
-                        </a:spcBef>
-                        <a:spcAft>
-                          <a:spcPts val="0"/>
-                        </a:spcAft>
-                        <a:buNone/>
-                      </a:pPr>
-                      <a:r>
-                        <a:rPr lang="ko-KR" sz="1000" b="0" u="none" strike="noStrike" cap="none"/>
+                      <a:endParaRPr sz="1000" b="0" u="none" strike="noStrike" cap="none" dirty="0"/>
+                    </a:p>
+                    <a:p>
+                      <a:pPr marL="0" marR="0" lvl="0" indent="0" algn="l" rtl="0">
+                        <a:spcBef>
+                          <a:spcPts val="0"/>
+                        </a:spcBef>
+                        <a:spcAft>
+                          <a:spcPts val="0"/>
+                        </a:spcAft>
+                        <a:buNone/>
+                      </a:pPr>
+                      <a:r>
+                        <a:rPr lang="ko-KR" sz="1000" b="0" u="none" strike="noStrike" cap="none" dirty="0"/>
                         <a:t>출발도시</a:t>
                       </a:r>
-                      <a:endParaRPr sz="1000" b="0" u="none" strike="noStrike" cap="none"/>
-                    </a:p>
-                    <a:p>
-                      <a:pPr marL="0" marR="0" lvl="0" indent="0" algn="l" rtl="0">
-                        <a:spcBef>
-                          <a:spcPts val="0"/>
-                        </a:spcBef>
-                        <a:spcAft>
-                          <a:spcPts val="0"/>
-                        </a:spcAft>
-                        <a:buNone/>
-                      </a:pPr>
-                      <a:r>
-                        <a:rPr lang="ko-KR" sz="1000" b="0" u="none" strike="noStrike" cap="none"/>
+                      <a:endParaRPr sz="1000" b="0" u="none" strike="noStrike" cap="none" dirty="0"/>
+                    </a:p>
+                    <a:p>
+                      <a:pPr marL="0" marR="0" lvl="0" indent="0" algn="l" rtl="0">
+                        <a:spcBef>
+                          <a:spcPts val="0"/>
+                        </a:spcBef>
+                        <a:spcAft>
+                          <a:spcPts val="0"/>
+                        </a:spcAft>
+                        <a:buNone/>
+                      </a:pPr>
+                      <a:r>
+                        <a:rPr lang="ko-KR" sz="1000" b="0" u="none" strike="noStrike" cap="none" dirty="0"/>
                         <a:t>도착도시</a:t>
                       </a:r>
-                      <a:endParaRPr sz="1000" b="0" u="none" strike="noStrike" cap="none"/>
-                    </a:p>
-                    <a:p>
-                      <a:pPr marL="0" marR="0" lvl="0" indent="0" algn="l" rtl="0">
-                        <a:spcBef>
-                          <a:spcPts val="0"/>
-                        </a:spcBef>
-                        <a:spcAft>
-                          <a:spcPts val="0"/>
-                        </a:spcAft>
-                        <a:buNone/>
-                      </a:pPr>
-                      <a:r>
-                        <a:rPr lang="ko-KR" sz="1000" b="0" u="none" strike="noStrike" cap="none"/>
+                      <a:endParaRPr sz="1000" b="0" u="none" strike="noStrike" cap="none" dirty="0"/>
+                    </a:p>
+                    <a:p>
+                      <a:pPr marL="0" marR="0" lvl="0" indent="0" algn="l" rtl="0">
+                        <a:spcBef>
+                          <a:spcPts val="0"/>
+                        </a:spcBef>
+                        <a:spcAft>
+                          <a:spcPts val="0"/>
+                        </a:spcAft>
+                        <a:buNone/>
+                      </a:pPr>
+                      <a:r>
+                        <a:rPr lang="ko-KR" sz="1000" b="0" u="none" strike="noStrike" cap="none" dirty="0"/>
                         <a:t>출발날짜</a:t>
                       </a:r>
-                      <a:endParaRPr sz="1000" b="0" u="none" strike="noStrike" cap="none"/>
-                    </a:p>
-                    <a:p>
-                      <a:pPr marL="0" marR="0" lvl="0" indent="0" algn="l" rtl="0">
-                        <a:spcBef>
-                          <a:spcPts val="0"/>
-                        </a:spcBef>
-                        <a:spcAft>
-                          <a:spcPts val="0"/>
-                        </a:spcAft>
-                        <a:buNone/>
-                      </a:pPr>
-                      <a:r>
-                        <a:rPr lang="ko-KR" sz="1000" b="0" u="none" strike="noStrike" cap="none"/>
+                      <a:endParaRPr sz="1000" b="0" u="none" strike="noStrike" cap="none" dirty="0"/>
+                    </a:p>
+                    <a:p>
+                      <a:pPr marL="0" marR="0" lvl="0" indent="0" algn="l" rtl="0">
+                        <a:spcBef>
+                          <a:spcPts val="0"/>
+                        </a:spcBef>
+                        <a:spcAft>
+                          <a:spcPts val="0"/>
+                        </a:spcAft>
+                        <a:buNone/>
+                      </a:pPr>
+                      <a:r>
+                        <a:rPr lang="ko-KR" sz="1000" b="0" u="none" strike="noStrike" cap="none" dirty="0"/>
                         <a:t>도착날짜</a:t>
                       </a:r>
-                      <a:endParaRPr sz="1000" b="0" u="none" strike="noStrike" cap="none"/>
-                    </a:p>
-                    <a:p>
-                      <a:pPr marL="0" marR="0" lvl="0" indent="0" algn="l" rtl="0">
-                        <a:spcBef>
-                          <a:spcPts val="0"/>
-                        </a:spcBef>
-                        <a:spcAft>
-                          <a:spcPts val="0"/>
-                        </a:spcAft>
-                        <a:buNone/>
-                      </a:pPr>
-                      <a:r>
-                        <a:rPr lang="ko-KR" sz="1000" b="0" u="none" strike="noStrike" cap="none"/>
+                      <a:endParaRPr sz="1000" b="0" u="none" strike="noStrike" cap="none" dirty="0"/>
+                    </a:p>
+                    <a:p>
+                      <a:pPr marL="0" marR="0" lvl="0" indent="0" algn="l" rtl="0">
+                        <a:spcBef>
+                          <a:spcPts val="0"/>
+                        </a:spcBef>
+                        <a:spcAft>
+                          <a:spcPts val="0"/>
+                        </a:spcAft>
+                        <a:buNone/>
+                      </a:pPr>
+                      <a:r>
+                        <a:rPr lang="ko-KR" sz="1000" b="0" u="none" strike="noStrike" cap="none" dirty="0"/>
                         <a:t>출발시간</a:t>
                       </a:r>
-                      <a:endParaRPr sz="1000" b="0" u="none" strike="noStrike" cap="none"/>
-                    </a:p>
-                    <a:p>
-                      <a:pPr marL="0" marR="0" lvl="0" indent="0" algn="l" rtl="0">
-                        <a:spcBef>
-                          <a:spcPts val="0"/>
-                        </a:spcBef>
-                        <a:spcAft>
-                          <a:spcPts val="0"/>
-                        </a:spcAft>
-                        <a:buNone/>
-                      </a:pPr>
-                      <a:r>
-                        <a:rPr lang="ko-KR" sz="1000" b="0" u="none" strike="noStrike" cap="none"/>
+                      <a:endParaRPr sz="1000" b="0" u="none" strike="noStrike" cap="none" dirty="0"/>
+                    </a:p>
+                    <a:p>
+                      <a:pPr marL="0" marR="0" lvl="0" indent="0" algn="l" rtl="0">
+                        <a:spcBef>
+                          <a:spcPts val="0"/>
+                        </a:spcBef>
+                        <a:spcAft>
+                          <a:spcPts val="0"/>
+                        </a:spcAft>
+                        <a:buNone/>
+                      </a:pPr>
+                      <a:r>
+                        <a:rPr lang="ko-KR" sz="1000" b="0" u="none" strike="noStrike" cap="none" dirty="0"/>
                         <a:t>도착시간</a:t>
                       </a:r>
-                      <a:endParaRPr sz="1000" b="0" u="none" strike="noStrike" cap="none"/>
+                      <a:endParaRPr sz="1000" b="0" u="none" strike="noStrike" cap="none" dirty="0"/>
                     </a:p>
                   </a:txBody>
                   <a:tcPr marL="91450" marR="91450" marT="45725" marB="45725"/>
@@ -21159,6 +21158,218 @@
           </a:graphicData>
         </a:graphic>
       </p:graphicFrame>
+      <p:graphicFrame>
+        <p:nvGraphicFramePr>
+          <p:cNvPr id="67" name="Google Shape;140;p14"/>
+          <p:cNvGraphicFramePr/>
+          <p:nvPr>
+            <p:extLst>
+              <p:ext uri="{D42A27DB-BD31-4B8C-83A1-F6EECF244321}">
+                <p14:modId xmlns:p14="http://schemas.microsoft.com/office/powerpoint/2010/main" val="3012472906"/>
+              </p:ext>
+            </p:extLst>
+          </p:nvPr>
+        </p:nvGraphicFramePr>
+        <p:xfrm>
+          <a:off x="2656851" y="5200475"/>
+          <a:ext cx="1458325" cy="1280200"/>
+        </p:xfrm>
+        <a:graphic>
+          <a:graphicData uri="http://schemas.openxmlformats.org/drawingml/2006/table">
+            <a:tbl>
+              <a:tblPr firstRow="1" bandRow="1">
+                <a:noFill/>
+                <a:tableStyleId>{5E242488-F3AB-4D78-95C9-D24BE66AF8A3}</a:tableStyleId>
+              </a:tblPr>
+              <a:tblGrid>
+                <a:gridCol w="1458325"/>
+              </a:tblGrid>
+              <a:tr h="127000">
+                <a:tc>
+                  <a:txBody>
+                    <a:bodyPr/>
+                    <a:lstStyle/>
+                    <a:p>
+                      <a:pPr marL="0" marR="0" lvl="0" indent="0" algn="l" rtl="0">
+                        <a:spcBef>
+                          <a:spcPts val="0"/>
+                        </a:spcBef>
+                        <a:spcAft>
+                          <a:spcPts val="0"/>
+                        </a:spcAft>
+                        <a:buNone/>
+                      </a:pPr>
+                      <a:r>
+                        <a:rPr lang="ko-KR" altLang="en-US" sz="1000" b="0" u="none" strike="noStrike" cap="none" dirty="0" smtClean="0"/>
+                        <a:t>건의사항</a:t>
+                      </a:r>
+                      <a:endParaRPr sz="1000" b="0" u="none" strike="noStrike" cap="none" dirty="0"/>
+                    </a:p>
+                  </a:txBody>
+                  <a:tcPr marL="91450" marR="91450" marT="45725" marB="45725"/>
+                </a:tc>
+              </a:tr>
+              <a:tr h="127000">
+                <a:tc>
+                  <a:txBody>
+                    <a:bodyPr/>
+                    <a:lstStyle/>
+                    <a:p>
+                      <a:pPr marL="0" marR="0" lvl="0" indent="0" algn="l" defTabSz="914400" rtl="0" eaLnBrk="1" fontAlgn="auto" latinLnBrk="0" hangingPunct="1">
+                        <a:lnSpc>
+                          <a:spcPct val="100000"/>
+                        </a:lnSpc>
+                        <a:spcBef>
+                          <a:spcPts val="0"/>
+                        </a:spcBef>
+                        <a:spcAft>
+                          <a:spcPts val="0"/>
+                        </a:spcAft>
+                        <a:buClr>
+                          <a:schemeClr val="dk1"/>
+                        </a:buClr>
+                        <a:buSzPts val="1000"/>
+                        <a:buFont typeface="Malgun Gothic"/>
+                        <a:buNone/>
+                        <a:tabLst/>
+                        <a:defRPr/>
+                      </a:pPr>
+                      <a:r>
+                        <a:rPr lang="ko-KR" sz="1000" b="0" u="none" strike="noStrike" cap="none" dirty="0" smtClean="0"/>
+                        <a:t>#</a:t>
+                      </a:r>
+                      <a:r>
+                        <a:rPr lang="ko-KR" altLang="en-US" sz="1000" b="0" u="none" strike="noStrike" cap="none" dirty="0" smtClean="0"/>
+                        <a:t>좌석번호</a:t>
+                      </a:r>
+                      <a:r>
+                        <a:rPr lang="ko-KR" sz="1000" b="0" u="none" strike="noStrike" cap="none" dirty="0" smtClean="0"/>
+                        <a:t>(</a:t>
+                      </a:r>
+                      <a:r>
+                        <a:rPr lang="ko-KR" sz="1000" b="0" u="none" strike="noStrike" cap="none" dirty="0"/>
+                        <a:t>PK)</a:t>
+                      </a:r>
+                      <a:endParaRPr dirty="0"/>
+                    </a:p>
+                  </a:txBody>
+                  <a:tcPr marL="91450" marR="91450" marT="45725" marB="45725"/>
+                </a:tc>
+              </a:tr>
+              <a:tr h="127000">
+                <a:tc>
+                  <a:txBody>
+                    <a:bodyPr/>
+                    <a:lstStyle/>
+                    <a:p>
+                      <a:pPr marL="0" marR="0" lvl="0" indent="0" algn="l" rtl="0">
+                        <a:spcBef>
+                          <a:spcPts val="0"/>
+                        </a:spcBef>
+                        <a:spcAft>
+                          <a:spcPts val="0"/>
+                        </a:spcAft>
+                        <a:buNone/>
+                      </a:pPr>
+                      <a:r>
+                        <a:rPr lang="ko-KR" sz="1000" b="0" u="none" strike="noStrike" cap="none" dirty="0" smtClean="0"/>
+                        <a:t>좌석등급</a:t>
+                      </a:r>
+                      <a:endParaRPr sz="1000" b="0" u="none" strike="noStrike" cap="none" dirty="0" smtClean="0"/>
+                    </a:p>
+                    <a:p>
+                      <a:pPr marL="0" marR="0" lvl="0" indent="0" algn="l" rtl="0">
+                        <a:lnSpc>
+                          <a:spcPct val="100000"/>
+                        </a:lnSpc>
+                        <a:spcBef>
+                          <a:spcPts val="0"/>
+                        </a:spcBef>
+                        <a:spcAft>
+                          <a:spcPts val="0"/>
+                        </a:spcAft>
+                        <a:buClr>
+                          <a:schemeClr val="dk1"/>
+                        </a:buClr>
+                        <a:buSzPts val="1000"/>
+                        <a:buFont typeface="Malgun Gothic"/>
+                        <a:buNone/>
+                      </a:pPr>
+                      <a:r>
+                        <a:rPr lang="ko-KR" sz="1000" b="0" u="none" strike="noStrike" cap="none" dirty="0" smtClean="0"/>
+                        <a:t>가격</a:t>
+                      </a:r>
+                      <a:endParaRPr sz="1000" b="0" u="none" strike="noStrike" cap="none" dirty="0" smtClean="0"/>
+                    </a:p>
+                    <a:p>
+                      <a:pPr marL="0" marR="0" lvl="0" indent="0" algn="l" rtl="0">
+                        <a:lnSpc>
+                          <a:spcPct val="100000"/>
+                        </a:lnSpc>
+                        <a:spcBef>
+                          <a:spcPts val="0"/>
+                        </a:spcBef>
+                        <a:spcAft>
+                          <a:spcPts val="0"/>
+                        </a:spcAft>
+                        <a:buClr>
+                          <a:schemeClr val="dk1"/>
+                        </a:buClr>
+                        <a:buSzPts val="1000"/>
+                        <a:buFont typeface="Malgun Gothic"/>
+                        <a:buNone/>
+                      </a:pPr>
+                      <a:r>
+                        <a:rPr lang="ko-KR" sz="1000" b="0" u="none" strike="noStrike" cap="none" dirty="0" smtClean="0"/>
+                        <a:t>예약여부</a:t>
+                      </a:r>
+                      <a:r>
+                        <a:rPr lang="ko-KR" sz="1000" b="0" u="none" strike="noStrike" cap="none" dirty="0"/>
+                        <a:t>(Y/N)</a:t>
+                      </a:r>
+                      <a:endParaRPr dirty="0"/>
+                    </a:p>
+                  </a:txBody>
+                  <a:tcPr marL="91450" marR="91450" marT="45725" marB="45725"/>
+                </a:tc>
+              </a:tr>
+              <a:tr h="127000">
+                <a:tc>
+                  <a:txBody>
+                    <a:bodyPr/>
+                    <a:lstStyle/>
+                    <a:p>
+                      <a:pPr marL="0" marR="0" lvl="0" indent="0" algn="l" rtl="0">
+                        <a:lnSpc>
+                          <a:spcPct val="100000"/>
+                        </a:lnSpc>
+                        <a:spcBef>
+                          <a:spcPts val="0"/>
+                        </a:spcBef>
+                        <a:spcAft>
+                          <a:spcPts val="0"/>
+                        </a:spcAft>
+                        <a:buClr>
+                          <a:schemeClr val="dk1"/>
+                        </a:buClr>
+                        <a:buSzPts val="1000"/>
+                        <a:buFont typeface="Malgun Gothic"/>
+                        <a:buNone/>
+                      </a:pPr>
+                      <a:r>
+                        <a:rPr lang="ko-KR" sz="1000" b="0" u="none" strike="noStrike" cap="none" dirty="0"/>
+                        <a:t>항공편(FK)</a:t>
+                      </a:r>
+                      <a:endParaRPr dirty="0"/>
+                    </a:p>
+                  </a:txBody>
+                  <a:tcPr marL="91450" marR="91450" marT="45725" marB="45725"/>
+                </a:tc>
+              </a:tr>
+            </a:tbl>
+          </a:graphicData>
+        </a:graphic>
+      </p:graphicFrame>
     </p:spTree>
   </p:cSld>
   <p:clrMapOvr>
